--- a/Reference materials/20_Preprocessor Directives.pptx
+++ b/Reference materials/20_Preprocessor Directives.pptx
@@ -129,6 +129,22 @@
       </a:defRPr>
     </a:lvl9pPr>
   </p:defaultTextStyle>
+  <p:extLst>
+    <p:ext uri="{EFAFB233-063F-42B5-8137-9DF3F51BA10A}">
+      <p15:sldGuideLst xmlns:p15="http://schemas.microsoft.com/office/powerpoint/2012/main">
+        <p15:guide id="1" orient="horz" pos="2160">
+          <p15:clr>
+            <a:srgbClr val="A4A3A4"/>
+          </p15:clr>
+        </p15:guide>
+        <p15:guide id="2" pos="2880">
+          <p15:clr>
+            <a:srgbClr val="A4A3A4"/>
+          </p15:clr>
+        </p15:guide>
+      </p15:sldGuideLst>
+    </p:ext>
+  </p:extLst>
 </p:presentation>
 </file>
 
@@ -170,7 +186,7 @@
           <a:lstStyle/>
           <a:p>
             <a:r>
-              <a:rPr lang="en-US" smtClean="0"/>
+              <a:rPr lang="en-US"/>
               <a:t>Click to edit Master title style</a:t>
             </a:r>
             <a:endParaRPr lang="en-IN"/>
@@ -289,7 +305,7 @@
           </a:lstStyle>
           <a:p>
             <a:r>
-              <a:rPr lang="en-US" smtClean="0"/>
+              <a:rPr lang="en-US"/>
               <a:t>Click to edit Master subtitle style</a:t>
             </a:r>
             <a:endParaRPr lang="en-IN"/>
@@ -313,7 +329,7 @@
           <a:p>
             <a:fld id="{A13CD786-328F-4923-8A53-60706E0D1521}" type="datetimeFigureOut">
               <a:rPr lang="en-IN" smtClean="0"/>
-              <a:t>12-04-2021</a:t>
+              <a:t>16-04-2021</a:t>
             </a:fld>
             <a:endParaRPr lang="en-IN"/>
           </a:p>
@@ -407,7 +423,7 @@
           <a:lstStyle/>
           <a:p>
             <a:r>
-              <a:rPr lang="en-US" smtClean="0"/>
+              <a:rPr lang="en-US"/>
               <a:t>Click to edit Master title style</a:t>
             </a:r>
             <a:endParaRPr lang="en-IN"/>
@@ -431,35 +447,35 @@
           <a:p>
             <a:pPr lvl="0"/>
             <a:r>
-              <a:rPr lang="en-US" smtClean="0"/>
+              <a:rPr lang="en-US"/>
               <a:t>Click to edit Master text styles</a:t>
             </a:r>
           </a:p>
           <a:p>
             <a:pPr lvl="1"/>
             <a:r>
-              <a:rPr lang="en-US" smtClean="0"/>
+              <a:rPr lang="en-US"/>
               <a:t>Second level</a:t>
             </a:r>
           </a:p>
           <a:p>
             <a:pPr lvl="2"/>
             <a:r>
-              <a:rPr lang="en-US" smtClean="0"/>
+              <a:rPr lang="en-US"/>
               <a:t>Third level</a:t>
             </a:r>
           </a:p>
           <a:p>
             <a:pPr lvl="3"/>
             <a:r>
-              <a:rPr lang="en-US" smtClean="0"/>
+              <a:rPr lang="en-US"/>
               <a:t>Fourth level</a:t>
             </a:r>
           </a:p>
           <a:p>
             <a:pPr lvl="4"/>
             <a:r>
-              <a:rPr lang="en-US" smtClean="0"/>
+              <a:rPr lang="en-US"/>
               <a:t>Fifth level</a:t>
             </a:r>
             <a:endParaRPr lang="en-IN"/>
@@ -483,7 +499,7 @@
           <a:p>
             <a:fld id="{A13CD786-328F-4923-8A53-60706E0D1521}" type="datetimeFigureOut">
               <a:rPr lang="en-IN" smtClean="0"/>
-              <a:t>12-04-2021</a:t>
+              <a:t>16-04-2021</a:t>
             </a:fld>
             <a:endParaRPr lang="en-IN"/>
           </a:p>
@@ -582,7 +598,7 @@
           <a:lstStyle/>
           <a:p>
             <a:r>
-              <a:rPr lang="en-US" smtClean="0"/>
+              <a:rPr lang="en-US"/>
               <a:t>Click to edit Master title style</a:t>
             </a:r>
             <a:endParaRPr lang="en-IN"/>
@@ -611,35 +627,35 @@
           <a:p>
             <a:pPr lvl="0"/>
             <a:r>
-              <a:rPr lang="en-US" smtClean="0"/>
+              <a:rPr lang="en-US"/>
               <a:t>Click to edit Master text styles</a:t>
             </a:r>
           </a:p>
           <a:p>
             <a:pPr lvl="1"/>
             <a:r>
-              <a:rPr lang="en-US" smtClean="0"/>
+              <a:rPr lang="en-US"/>
               <a:t>Second level</a:t>
             </a:r>
           </a:p>
           <a:p>
             <a:pPr lvl="2"/>
             <a:r>
-              <a:rPr lang="en-US" smtClean="0"/>
+              <a:rPr lang="en-US"/>
               <a:t>Third level</a:t>
             </a:r>
           </a:p>
           <a:p>
             <a:pPr lvl="3"/>
             <a:r>
-              <a:rPr lang="en-US" smtClean="0"/>
+              <a:rPr lang="en-US"/>
               <a:t>Fourth level</a:t>
             </a:r>
           </a:p>
           <a:p>
             <a:pPr lvl="4"/>
             <a:r>
-              <a:rPr lang="en-US" smtClean="0"/>
+              <a:rPr lang="en-US"/>
               <a:t>Fifth level</a:t>
             </a:r>
             <a:endParaRPr lang="en-IN"/>
@@ -663,7 +679,7 @@
           <a:p>
             <a:fld id="{A13CD786-328F-4923-8A53-60706E0D1521}" type="datetimeFigureOut">
               <a:rPr lang="en-IN" smtClean="0"/>
-              <a:t>12-04-2021</a:t>
+              <a:t>16-04-2021</a:t>
             </a:fld>
             <a:endParaRPr lang="en-IN"/>
           </a:p>
@@ -757,7 +773,7 @@
           <a:lstStyle/>
           <a:p>
             <a:r>
-              <a:rPr lang="en-US" smtClean="0"/>
+              <a:rPr lang="en-US"/>
               <a:t>Click to edit Master title style</a:t>
             </a:r>
             <a:endParaRPr lang="en-IN"/>
@@ -781,35 +797,35 @@
           <a:p>
             <a:pPr lvl="0"/>
             <a:r>
-              <a:rPr lang="en-US" smtClean="0"/>
+              <a:rPr lang="en-US"/>
               <a:t>Click to edit Master text styles</a:t>
             </a:r>
           </a:p>
           <a:p>
             <a:pPr lvl="1"/>
             <a:r>
-              <a:rPr lang="en-US" smtClean="0"/>
+              <a:rPr lang="en-US"/>
               <a:t>Second level</a:t>
             </a:r>
           </a:p>
           <a:p>
             <a:pPr lvl="2"/>
             <a:r>
-              <a:rPr lang="en-US" smtClean="0"/>
+              <a:rPr lang="en-US"/>
               <a:t>Third level</a:t>
             </a:r>
           </a:p>
           <a:p>
             <a:pPr lvl="3"/>
             <a:r>
-              <a:rPr lang="en-US" smtClean="0"/>
+              <a:rPr lang="en-US"/>
               <a:t>Fourth level</a:t>
             </a:r>
           </a:p>
           <a:p>
             <a:pPr lvl="4"/>
             <a:r>
-              <a:rPr lang="en-US" smtClean="0"/>
+              <a:rPr lang="en-US"/>
               <a:t>Fifth level</a:t>
             </a:r>
             <a:endParaRPr lang="en-IN"/>
@@ -833,7 +849,7 @@
           <a:p>
             <a:fld id="{A13CD786-328F-4923-8A53-60706E0D1521}" type="datetimeFigureOut">
               <a:rPr lang="en-IN" smtClean="0"/>
-              <a:t>12-04-2021</a:t>
+              <a:t>16-04-2021</a:t>
             </a:fld>
             <a:endParaRPr lang="en-IN"/>
           </a:p>
@@ -936,7 +952,7 @@
           </a:lstStyle>
           <a:p>
             <a:r>
-              <a:rPr lang="en-US" smtClean="0"/>
+              <a:rPr lang="en-US"/>
               <a:t>Click to edit Master title style</a:t>
             </a:r>
             <a:endParaRPr lang="en-IN"/>
@@ -1056,7 +1072,7 @@
           <a:p>
             <a:pPr lvl="0"/>
             <a:r>
-              <a:rPr lang="en-US" smtClean="0"/>
+              <a:rPr lang="en-US"/>
               <a:t>Click to edit Master text styles</a:t>
             </a:r>
           </a:p>
@@ -1079,7 +1095,7 @@
           <a:p>
             <a:fld id="{A13CD786-328F-4923-8A53-60706E0D1521}" type="datetimeFigureOut">
               <a:rPr lang="en-IN" smtClean="0"/>
-              <a:t>12-04-2021</a:t>
+              <a:t>16-04-2021</a:t>
             </a:fld>
             <a:endParaRPr lang="en-IN"/>
           </a:p>
@@ -1173,7 +1189,7 @@
           <a:lstStyle/>
           <a:p>
             <a:r>
-              <a:rPr lang="en-US" smtClean="0"/>
+              <a:rPr lang="en-US"/>
               <a:t>Click to edit Master title style</a:t>
             </a:r>
             <a:endParaRPr lang="en-IN"/>
@@ -1230,35 +1246,35 @@
           <a:p>
             <a:pPr lvl="0"/>
             <a:r>
-              <a:rPr lang="en-US" smtClean="0"/>
+              <a:rPr lang="en-US"/>
               <a:t>Click to edit Master text styles</a:t>
             </a:r>
           </a:p>
           <a:p>
             <a:pPr lvl="1"/>
             <a:r>
-              <a:rPr lang="en-US" smtClean="0"/>
+              <a:rPr lang="en-US"/>
               <a:t>Second level</a:t>
             </a:r>
           </a:p>
           <a:p>
             <a:pPr lvl="2"/>
             <a:r>
-              <a:rPr lang="en-US" smtClean="0"/>
+              <a:rPr lang="en-US"/>
               <a:t>Third level</a:t>
             </a:r>
           </a:p>
           <a:p>
             <a:pPr lvl="3"/>
             <a:r>
-              <a:rPr lang="en-US" smtClean="0"/>
+              <a:rPr lang="en-US"/>
               <a:t>Fourth level</a:t>
             </a:r>
           </a:p>
           <a:p>
             <a:pPr lvl="4"/>
             <a:r>
-              <a:rPr lang="en-US" smtClean="0"/>
+              <a:rPr lang="en-US"/>
               <a:t>Fifth level</a:t>
             </a:r>
             <a:endParaRPr lang="en-IN"/>
@@ -1315,35 +1331,35 @@
           <a:p>
             <a:pPr lvl="0"/>
             <a:r>
-              <a:rPr lang="en-US" smtClean="0"/>
+              <a:rPr lang="en-US"/>
               <a:t>Click to edit Master text styles</a:t>
             </a:r>
           </a:p>
           <a:p>
             <a:pPr lvl="1"/>
             <a:r>
-              <a:rPr lang="en-US" smtClean="0"/>
+              <a:rPr lang="en-US"/>
               <a:t>Second level</a:t>
             </a:r>
           </a:p>
           <a:p>
             <a:pPr lvl="2"/>
             <a:r>
-              <a:rPr lang="en-US" smtClean="0"/>
+              <a:rPr lang="en-US"/>
               <a:t>Third level</a:t>
             </a:r>
           </a:p>
           <a:p>
             <a:pPr lvl="3"/>
             <a:r>
-              <a:rPr lang="en-US" smtClean="0"/>
+              <a:rPr lang="en-US"/>
               <a:t>Fourth level</a:t>
             </a:r>
           </a:p>
           <a:p>
             <a:pPr lvl="4"/>
             <a:r>
-              <a:rPr lang="en-US" smtClean="0"/>
+              <a:rPr lang="en-US"/>
               <a:t>Fifth level</a:t>
             </a:r>
             <a:endParaRPr lang="en-IN"/>
@@ -1367,7 +1383,7 @@
           <a:p>
             <a:fld id="{A13CD786-328F-4923-8A53-60706E0D1521}" type="datetimeFigureOut">
               <a:rPr lang="en-IN" smtClean="0"/>
-              <a:t>12-04-2021</a:t>
+              <a:t>16-04-2021</a:t>
             </a:fld>
             <a:endParaRPr lang="en-IN"/>
           </a:p>
@@ -1465,7 +1481,7 @@
           </a:lstStyle>
           <a:p>
             <a:r>
-              <a:rPr lang="en-US" smtClean="0"/>
+              <a:rPr lang="en-US"/>
               <a:t>Click to edit Master title style</a:t>
             </a:r>
             <a:endParaRPr lang="en-IN"/>
@@ -1531,7 +1547,7 @@
           <a:p>
             <a:pPr lvl="0"/>
             <a:r>
-              <a:rPr lang="en-US" smtClean="0"/>
+              <a:rPr lang="en-US"/>
               <a:t>Click to edit Master text styles</a:t>
             </a:r>
           </a:p>
@@ -1587,35 +1603,35 @@
           <a:p>
             <a:pPr lvl="0"/>
             <a:r>
-              <a:rPr lang="en-US" smtClean="0"/>
+              <a:rPr lang="en-US"/>
               <a:t>Click to edit Master text styles</a:t>
             </a:r>
           </a:p>
           <a:p>
             <a:pPr lvl="1"/>
             <a:r>
-              <a:rPr lang="en-US" smtClean="0"/>
+              <a:rPr lang="en-US"/>
               <a:t>Second level</a:t>
             </a:r>
           </a:p>
           <a:p>
             <a:pPr lvl="2"/>
             <a:r>
-              <a:rPr lang="en-US" smtClean="0"/>
+              <a:rPr lang="en-US"/>
               <a:t>Third level</a:t>
             </a:r>
           </a:p>
           <a:p>
             <a:pPr lvl="3"/>
             <a:r>
-              <a:rPr lang="en-US" smtClean="0"/>
+              <a:rPr lang="en-US"/>
               <a:t>Fourth level</a:t>
             </a:r>
           </a:p>
           <a:p>
             <a:pPr lvl="4"/>
             <a:r>
-              <a:rPr lang="en-US" smtClean="0"/>
+              <a:rPr lang="en-US"/>
               <a:t>Fifth level</a:t>
             </a:r>
             <a:endParaRPr lang="en-IN"/>
@@ -1681,7 +1697,7 @@
           <a:p>
             <a:pPr lvl="0"/>
             <a:r>
-              <a:rPr lang="en-US" smtClean="0"/>
+              <a:rPr lang="en-US"/>
               <a:t>Click to edit Master text styles</a:t>
             </a:r>
           </a:p>
@@ -1737,35 +1753,35 @@
           <a:p>
             <a:pPr lvl="0"/>
             <a:r>
-              <a:rPr lang="en-US" smtClean="0"/>
+              <a:rPr lang="en-US"/>
               <a:t>Click to edit Master text styles</a:t>
             </a:r>
           </a:p>
           <a:p>
             <a:pPr lvl="1"/>
             <a:r>
-              <a:rPr lang="en-US" smtClean="0"/>
+              <a:rPr lang="en-US"/>
               <a:t>Second level</a:t>
             </a:r>
           </a:p>
           <a:p>
             <a:pPr lvl="2"/>
             <a:r>
-              <a:rPr lang="en-US" smtClean="0"/>
+              <a:rPr lang="en-US"/>
               <a:t>Third level</a:t>
             </a:r>
           </a:p>
           <a:p>
             <a:pPr lvl="3"/>
             <a:r>
-              <a:rPr lang="en-US" smtClean="0"/>
+              <a:rPr lang="en-US"/>
               <a:t>Fourth level</a:t>
             </a:r>
           </a:p>
           <a:p>
             <a:pPr lvl="4"/>
             <a:r>
-              <a:rPr lang="en-US" smtClean="0"/>
+              <a:rPr lang="en-US"/>
               <a:t>Fifth level</a:t>
             </a:r>
             <a:endParaRPr lang="en-IN"/>
@@ -1789,7 +1805,7 @@
           <a:p>
             <a:fld id="{A13CD786-328F-4923-8A53-60706E0D1521}" type="datetimeFigureOut">
               <a:rPr lang="en-IN" smtClean="0"/>
-              <a:t>12-04-2021</a:t>
+              <a:t>16-04-2021</a:t>
             </a:fld>
             <a:endParaRPr lang="en-IN"/>
           </a:p>
@@ -1883,7 +1899,7 @@
           <a:lstStyle/>
           <a:p>
             <a:r>
-              <a:rPr lang="en-US" smtClean="0"/>
+              <a:rPr lang="en-US"/>
               <a:t>Click to edit Master title style</a:t>
             </a:r>
             <a:endParaRPr lang="en-IN"/>
@@ -1907,7 +1923,7 @@
           <a:p>
             <a:fld id="{A13CD786-328F-4923-8A53-60706E0D1521}" type="datetimeFigureOut">
               <a:rPr lang="en-IN" smtClean="0"/>
-              <a:t>12-04-2021</a:t>
+              <a:t>16-04-2021</a:t>
             </a:fld>
             <a:endParaRPr lang="en-IN"/>
           </a:p>
@@ -2002,7 +2018,7 @@
           <a:p>
             <a:fld id="{A13CD786-328F-4923-8A53-60706E0D1521}" type="datetimeFigureOut">
               <a:rPr lang="en-IN" smtClean="0"/>
-              <a:t>12-04-2021</a:t>
+              <a:t>16-04-2021</a:t>
             </a:fld>
             <a:endParaRPr lang="en-IN"/>
           </a:p>
@@ -2105,7 +2121,7 @@
           </a:lstStyle>
           <a:p>
             <a:r>
-              <a:rPr lang="en-US" smtClean="0"/>
+              <a:rPr lang="en-US"/>
               <a:t>Click to edit Master title style</a:t>
             </a:r>
             <a:endParaRPr lang="en-IN"/>
@@ -2162,35 +2178,35 @@
           <a:p>
             <a:pPr lvl="0"/>
             <a:r>
-              <a:rPr lang="en-US" smtClean="0"/>
+              <a:rPr lang="en-US"/>
               <a:t>Click to edit Master text styles</a:t>
             </a:r>
           </a:p>
           <a:p>
             <a:pPr lvl="1"/>
             <a:r>
-              <a:rPr lang="en-US" smtClean="0"/>
+              <a:rPr lang="en-US"/>
               <a:t>Second level</a:t>
             </a:r>
           </a:p>
           <a:p>
             <a:pPr lvl="2"/>
             <a:r>
-              <a:rPr lang="en-US" smtClean="0"/>
+              <a:rPr lang="en-US"/>
               <a:t>Third level</a:t>
             </a:r>
           </a:p>
           <a:p>
             <a:pPr lvl="3"/>
             <a:r>
-              <a:rPr lang="en-US" smtClean="0"/>
+              <a:rPr lang="en-US"/>
               <a:t>Fourth level</a:t>
             </a:r>
           </a:p>
           <a:p>
             <a:pPr lvl="4"/>
             <a:r>
-              <a:rPr lang="en-US" smtClean="0"/>
+              <a:rPr lang="en-US"/>
               <a:t>Fifth level</a:t>
             </a:r>
             <a:endParaRPr lang="en-IN"/>
@@ -2256,7 +2272,7 @@
           <a:p>
             <a:pPr lvl="0"/>
             <a:r>
-              <a:rPr lang="en-US" smtClean="0"/>
+              <a:rPr lang="en-US"/>
               <a:t>Click to edit Master text styles</a:t>
             </a:r>
           </a:p>
@@ -2279,7 +2295,7 @@
           <a:p>
             <a:fld id="{A13CD786-328F-4923-8A53-60706E0D1521}" type="datetimeFigureOut">
               <a:rPr lang="en-IN" smtClean="0"/>
-              <a:t>12-04-2021</a:t>
+              <a:t>16-04-2021</a:t>
             </a:fld>
             <a:endParaRPr lang="en-IN"/>
           </a:p>
@@ -2382,7 +2398,7 @@
           </a:lstStyle>
           <a:p>
             <a:r>
-              <a:rPr lang="en-US" smtClean="0"/>
+              <a:rPr lang="en-US"/>
               <a:t>Click to edit Master title style</a:t>
             </a:r>
             <a:endParaRPr lang="en-IN"/>
@@ -2509,7 +2525,7 @@
           <a:p>
             <a:pPr lvl="0"/>
             <a:r>
-              <a:rPr lang="en-US" smtClean="0"/>
+              <a:rPr lang="en-US"/>
               <a:t>Click to edit Master text styles</a:t>
             </a:r>
           </a:p>
@@ -2532,7 +2548,7 @@
           <a:p>
             <a:fld id="{A13CD786-328F-4923-8A53-60706E0D1521}" type="datetimeFigureOut">
               <a:rPr lang="en-IN" smtClean="0"/>
-              <a:t>12-04-2021</a:t>
+              <a:t>16-04-2021</a:t>
             </a:fld>
             <a:endParaRPr lang="en-IN"/>
           </a:p>
@@ -2641,7 +2657,7 @@
           <a:lstStyle/>
           <a:p>
             <a:r>
-              <a:rPr lang="en-US" smtClean="0"/>
+              <a:rPr lang="en-US"/>
               <a:t>Click to edit Master title style</a:t>
             </a:r>
             <a:endParaRPr lang="en-IN"/>
@@ -2675,35 +2691,35 @@
           <a:p>
             <a:pPr lvl="0"/>
             <a:r>
-              <a:rPr lang="en-US" smtClean="0"/>
+              <a:rPr lang="en-US"/>
               <a:t>Click to edit Master text styles</a:t>
             </a:r>
           </a:p>
           <a:p>
             <a:pPr lvl="1"/>
             <a:r>
-              <a:rPr lang="en-US" smtClean="0"/>
+              <a:rPr lang="en-US"/>
               <a:t>Second level</a:t>
             </a:r>
           </a:p>
           <a:p>
             <a:pPr lvl="2"/>
             <a:r>
-              <a:rPr lang="en-US" smtClean="0"/>
+              <a:rPr lang="en-US"/>
               <a:t>Third level</a:t>
             </a:r>
           </a:p>
           <a:p>
             <a:pPr lvl="3"/>
             <a:r>
-              <a:rPr lang="en-US" smtClean="0"/>
+              <a:rPr lang="en-US"/>
               <a:t>Fourth level</a:t>
             </a:r>
           </a:p>
           <a:p>
             <a:pPr lvl="4"/>
             <a:r>
-              <a:rPr lang="en-US" smtClean="0"/>
+              <a:rPr lang="en-US"/>
               <a:t>Fifth level</a:t>
             </a:r>
             <a:endParaRPr lang="en-IN"/>
@@ -2745,7 +2761,7 @@
           <a:p>
             <a:fld id="{A13CD786-328F-4923-8A53-60706E0D1521}" type="datetimeFigureOut">
               <a:rPr lang="en-IN" smtClean="0"/>
-              <a:t>12-04-2021</a:t>
+              <a:t>16-04-2021</a:t>
             </a:fld>
             <a:endParaRPr lang="en-IN"/>
           </a:p>
@@ -3331,13 +3347,6 @@
   <p:clrMapOvr>
     <a:masterClrMapping/>
   </p:clrMapOvr>
-  <p:timing>
-    <p:tnLst>
-      <p:par>
-        <p:cTn id="1" dur="indefinite" restart="never" nodeType="tmRoot"/>
-      </p:par>
-    </p:tnLst>
-  </p:timing>
 </p:sld>
 </file>
 
@@ -3377,11 +3386,7 @@
           <a:p>
             <a:r>
               <a:rPr lang="en-IN" b="1" dirty="0"/>
-              <a:t>Function-like </a:t>
-            </a:r>
-            <a:r>
-              <a:rPr lang="en-IN" b="1" dirty="0" smtClean="0"/>
-              <a:t>Macros</a:t>
+              <a:t>Function-like Macros</a:t>
             </a:r>
             <a:endParaRPr lang="en-IN" dirty="0"/>
           </a:p>
@@ -3434,13 +3439,8 @@
             </a:r>
             <a:r>
               <a:rPr lang="en-IN" dirty="0"/>
-              <a:t>("Good Morning\n</a:t>
-            </a:r>
-            <a:r>
-              <a:rPr lang="en-IN" dirty="0" smtClean="0"/>
-              <a:t>")</a:t>
-            </a:r>
-            <a:endParaRPr lang="en-IN" dirty="0"/>
+              <a:t>("Good Morning\n")</a:t>
+            </a:r>
           </a:p>
         </p:txBody>
       </p:sp>
@@ -3454,13 +3454,6 @@
   <p:clrMapOvr>
     <a:masterClrMapping/>
   </p:clrMapOvr>
-  <p:timing>
-    <p:tnLst>
-      <p:par>
-        <p:cTn id="1" dur="indefinite" restart="never" nodeType="tmRoot"/>
-      </p:par>
-    </p:tnLst>
-  </p:timing>
 </p:sld>
 </file>
 
@@ -3541,15 +3534,15 @@
               <a:buNone/>
             </a:pPr>
             <a:r>
-              <a:rPr lang="en-IN" dirty="0" smtClean="0"/>
+              <a:rPr lang="en-IN" dirty="0"/>
               <a:t>#include &lt;</a:t>
             </a:r>
             <a:r>
-              <a:rPr lang="en-IN" dirty="0" err="1" smtClean="0"/>
+              <a:rPr lang="en-IN" dirty="0" err="1"/>
               <a:t>stdio.h</a:t>
             </a:r>
             <a:r>
-              <a:rPr lang="en-IN" dirty="0" smtClean="0"/>
+              <a:rPr lang="en-IN" dirty="0"/>
               <a:t>&gt;</a:t>
             </a:r>
           </a:p>
@@ -3558,7 +3551,7 @@
               <a:buNone/>
             </a:pPr>
             <a:r>
-              <a:rPr lang="en-IN" dirty="0" smtClean="0"/>
+              <a:rPr lang="en-IN" dirty="0"/>
               <a:t>#define PI 3.1415</a:t>
             </a:r>
           </a:p>
@@ -3567,15 +3560,15 @@
               <a:buNone/>
             </a:pPr>
             <a:r>
-              <a:rPr lang="en-IN" dirty="0" smtClean="0"/>
+              <a:rPr lang="en-IN" dirty="0"/>
               <a:t>#define </a:t>
             </a:r>
             <a:r>
-              <a:rPr lang="en-IN" dirty="0" err="1" smtClean="0"/>
+              <a:rPr lang="en-IN" dirty="0" err="1"/>
               <a:t>circleArea</a:t>
             </a:r>
             <a:r>
-              <a:rPr lang="en-IN" dirty="0" smtClean="0"/>
+              <a:rPr lang="en-IN" dirty="0"/>
               <a:t>(r) (PI*r*r)</a:t>
             </a:r>
           </a:p>
@@ -3583,18 +3576,18 @@
             <a:pPr marL="0" indent="0">
               <a:buNone/>
             </a:pPr>
-            <a:endParaRPr lang="en-IN" dirty="0" smtClean="0"/>
-          </a:p>
-          <a:p>
-            <a:pPr marL="0" indent="0">
-              <a:buNone/>
-            </a:pPr>
-            <a:r>
-              <a:rPr lang="en-IN" dirty="0" err="1" smtClean="0"/>
+            <a:endParaRPr lang="en-IN" dirty="0"/>
+          </a:p>
+          <a:p>
+            <a:pPr marL="0" indent="0">
+              <a:buNone/>
+            </a:pPr>
+            <a:r>
+              <a:rPr lang="en-IN" dirty="0" err="1"/>
               <a:t>int</a:t>
             </a:r>
             <a:r>
-              <a:rPr lang="en-IN" dirty="0" smtClean="0"/>
+              <a:rPr lang="en-IN" dirty="0"/>
               <a:t> main()</a:t>
             </a:r>
           </a:p>
@@ -3603,7 +3596,7 @@
               <a:buNone/>
             </a:pPr>
             <a:r>
-              <a:rPr lang="en-IN" dirty="0" smtClean="0"/>
+              <a:rPr lang="en-IN" dirty="0"/>
               <a:t>{</a:t>
             </a:r>
           </a:p>
@@ -3612,15 +3605,15 @@
               <a:buNone/>
             </a:pPr>
             <a:r>
-              <a:rPr lang="en-IN" dirty="0" smtClean="0"/>
+              <a:rPr lang="en-IN" dirty="0"/>
               <a:t>    </a:t>
             </a:r>
             <a:r>
-              <a:rPr lang="en-IN" dirty="0" err="1" smtClean="0"/>
+              <a:rPr lang="en-IN" dirty="0" err="1"/>
               <a:t>int</a:t>
             </a:r>
             <a:r>
-              <a:rPr lang="en-IN" dirty="0" smtClean="0"/>
+              <a:rPr lang="en-IN" dirty="0"/>
               <a:t> radius;</a:t>
             </a:r>
           </a:p>
@@ -3629,7 +3622,7 @@
               <a:buNone/>
             </a:pPr>
             <a:r>
-              <a:rPr lang="en-IN" dirty="0" smtClean="0"/>
+              <a:rPr lang="en-IN" dirty="0"/>
               <a:t>    float area;</a:t>
             </a:r>
           </a:p>
@@ -3637,22 +3630,22 @@
             <a:pPr marL="0" indent="0">
               <a:buNone/>
             </a:pPr>
-            <a:endParaRPr lang="en-IN" dirty="0" smtClean="0"/>
-          </a:p>
-          <a:p>
-            <a:pPr marL="0" indent="0">
-              <a:buNone/>
-            </a:pPr>
-            <a:r>
-              <a:rPr lang="en-IN" dirty="0" smtClean="0"/>
+            <a:endParaRPr lang="en-IN" dirty="0"/>
+          </a:p>
+          <a:p>
+            <a:pPr marL="0" indent="0">
+              <a:buNone/>
+            </a:pPr>
+            <a:r>
+              <a:rPr lang="en-IN" dirty="0"/>
               <a:t>    </a:t>
             </a:r>
             <a:r>
-              <a:rPr lang="en-IN" dirty="0" err="1" smtClean="0"/>
+              <a:rPr lang="en-IN" dirty="0" err="1"/>
               <a:t>printf</a:t>
             </a:r>
             <a:r>
-              <a:rPr lang="en-IN" dirty="0" smtClean="0"/>
+              <a:rPr lang="en-IN" dirty="0"/>
               <a:t>("Enter the radius: ");</a:t>
             </a:r>
           </a:p>
@@ -3661,15 +3654,15 @@
               <a:buNone/>
             </a:pPr>
             <a:r>
-              <a:rPr lang="en-IN" dirty="0" smtClean="0"/>
+              <a:rPr lang="en-IN" dirty="0"/>
               <a:t>    </a:t>
             </a:r>
             <a:r>
-              <a:rPr lang="en-IN" dirty="0" err="1" smtClean="0"/>
+              <a:rPr lang="en-IN" dirty="0" err="1"/>
               <a:t>scanf</a:t>
             </a:r>
             <a:r>
-              <a:rPr lang="en-IN" dirty="0" smtClean="0"/>
+              <a:rPr lang="en-IN" dirty="0"/>
               <a:t>("%d", &amp;radius);</a:t>
             </a:r>
           </a:p>
@@ -3678,15 +3671,15 @@
               <a:buNone/>
             </a:pPr>
             <a:r>
-              <a:rPr lang="en-IN" dirty="0" smtClean="0"/>
+              <a:rPr lang="en-IN" dirty="0"/>
               <a:t>    area = </a:t>
             </a:r>
             <a:r>
-              <a:rPr lang="en-IN" dirty="0" err="1" smtClean="0"/>
+              <a:rPr lang="en-IN" dirty="0" err="1"/>
               <a:t>circleArea</a:t>
             </a:r>
             <a:r>
-              <a:rPr lang="en-IN" dirty="0" smtClean="0"/>
+              <a:rPr lang="en-IN" dirty="0"/>
               <a:t>(radius);</a:t>
             </a:r>
           </a:p>
@@ -3695,15 +3688,15 @@
               <a:buNone/>
             </a:pPr>
             <a:r>
-              <a:rPr lang="en-IN" dirty="0" smtClean="0"/>
+              <a:rPr lang="en-IN" dirty="0"/>
               <a:t>    </a:t>
             </a:r>
             <a:r>
-              <a:rPr lang="en-IN" dirty="0" err="1" smtClean="0"/>
+              <a:rPr lang="en-IN" dirty="0" err="1"/>
               <a:t>printf</a:t>
             </a:r>
             <a:r>
-              <a:rPr lang="en-IN" dirty="0" smtClean="0"/>
+              <a:rPr lang="en-IN" dirty="0"/>
               <a:t>("Area = %.2f", area);</a:t>
             </a:r>
           </a:p>
@@ -3711,14 +3704,14 @@
             <a:pPr marL="0" indent="0">
               <a:buNone/>
             </a:pPr>
-            <a:endParaRPr lang="en-IN" dirty="0" smtClean="0"/>
-          </a:p>
-          <a:p>
-            <a:pPr marL="0" indent="0">
-              <a:buNone/>
-            </a:pPr>
-            <a:r>
-              <a:rPr lang="en-IN" dirty="0" smtClean="0"/>
+            <a:endParaRPr lang="en-IN" dirty="0"/>
+          </a:p>
+          <a:p>
+            <a:pPr marL="0" indent="0">
+              <a:buNone/>
+            </a:pPr>
+            <a:r>
+              <a:rPr lang="en-IN" dirty="0"/>
               <a:t>    return 0;</a:t>
             </a:r>
           </a:p>
@@ -3727,10 +3720,9 @@
               <a:buNone/>
             </a:pPr>
             <a:r>
-              <a:rPr lang="en-IN" dirty="0" smtClean="0"/>
+              <a:rPr lang="en-IN" dirty="0"/>
               <a:t>}</a:t>
             </a:r>
-            <a:endParaRPr lang="en-IN" dirty="0"/>
           </a:p>
         </p:txBody>
       </p:sp>
@@ -3765,15 +3757,15 @@
               <a:buNone/>
             </a:pPr>
             <a:r>
-              <a:rPr lang="en-IN" dirty="0" smtClean="0"/>
+              <a:rPr lang="en-IN" dirty="0"/>
               <a:t>#include &lt;</a:t>
             </a:r>
             <a:r>
-              <a:rPr lang="en-IN" dirty="0" err="1" smtClean="0"/>
+              <a:rPr lang="en-IN" dirty="0" err="1"/>
               <a:t>stdio.h</a:t>
             </a:r>
             <a:r>
-              <a:rPr lang="en-IN" dirty="0" smtClean="0"/>
+              <a:rPr lang="en-IN" dirty="0"/>
               <a:t>&gt;</a:t>
             </a:r>
           </a:p>
@@ -3781,22 +3773,22 @@
             <a:pPr marL="0" indent="0">
               <a:buNone/>
             </a:pPr>
-            <a:endParaRPr lang="en-IN" dirty="0" smtClean="0"/>
-          </a:p>
-          <a:p>
-            <a:pPr marL="0" indent="0">
-              <a:buNone/>
-            </a:pPr>
-            <a:r>
-              <a:rPr lang="en-IN" dirty="0" smtClean="0"/>
+            <a:endParaRPr lang="en-IN" dirty="0"/>
+          </a:p>
+          <a:p>
+            <a:pPr marL="0" indent="0">
+              <a:buNone/>
+            </a:pPr>
+            <a:r>
+              <a:rPr lang="en-IN" dirty="0"/>
               <a:t>#define MAX(</a:t>
             </a:r>
             <a:r>
-              <a:rPr lang="en-IN" dirty="0" err="1" smtClean="0"/>
+              <a:rPr lang="en-IN" dirty="0" err="1"/>
               <a:t>x,y</a:t>
             </a:r>
             <a:r>
-              <a:rPr lang="en-IN" dirty="0" smtClean="0"/>
+              <a:rPr lang="en-IN" dirty="0"/>
               <a:t>) ((x) &gt; (y) ? (x) : (y))</a:t>
             </a:r>
           </a:p>
@@ -3804,18 +3796,18 @@
             <a:pPr marL="0" indent="0">
               <a:buNone/>
             </a:pPr>
-            <a:endParaRPr lang="en-IN" dirty="0" smtClean="0"/>
-          </a:p>
-          <a:p>
-            <a:pPr marL="0" indent="0">
-              <a:buNone/>
-            </a:pPr>
-            <a:r>
-              <a:rPr lang="en-IN" dirty="0" err="1" smtClean="0"/>
+            <a:endParaRPr lang="en-IN" dirty="0"/>
+          </a:p>
+          <a:p>
+            <a:pPr marL="0" indent="0">
+              <a:buNone/>
+            </a:pPr>
+            <a:r>
+              <a:rPr lang="en-IN" dirty="0" err="1"/>
               <a:t>int</a:t>
             </a:r>
             <a:r>
-              <a:rPr lang="en-IN" dirty="0" smtClean="0"/>
+              <a:rPr lang="en-IN" dirty="0"/>
               <a:t> main(void) {</a:t>
             </a:r>
           </a:p>
@@ -3824,15 +3816,15 @@
               <a:buNone/>
             </a:pPr>
             <a:r>
-              <a:rPr lang="en-IN" dirty="0" smtClean="0"/>
+              <a:rPr lang="en-IN" dirty="0"/>
               <a:t>   </a:t>
             </a:r>
             <a:r>
-              <a:rPr lang="en-IN" dirty="0" err="1" smtClean="0"/>
+              <a:rPr lang="en-IN" dirty="0" err="1"/>
               <a:t>printf</a:t>
             </a:r>
             <a:r>
-              <a:rPr lang="en-IN" dirty="0" smtClean="0"/>
+              <a:rPr lang="en-IN" dirty="0"/>
               <a:t>("Max between 20 and 10 is %d\n", MAX(10, 20));  </a:t>
             </a:r>
           </a:p>
@@ -3841,7 +3833,7 @@
               <a:buNone/>
             </a:pPr>
             <a:r>
-              <a:rPr lang="en-IN" dirty="0" smtClean="0"/>
+              <a:rPr lang="en-IN" dirty="0"/>
               <a:t>   return 0;</a:t>
             </a:r>
           </a:p>
@@ -3850,10 +3842,9 @@
               <a:buNone/>
             </a:pPr>
             <a:r>
-              <a:rPr lang="en-IN" dirty="0" smtClean="0"/>
+              <a:rPr lang="en-IN" dirty="0"/>
               <a:t>}</a:t>
             </a:r>
-            <a:endParaRPr lang="en-IN" dirty="0"/>
           </a:p>
         </p:txBody>
       </p:sp>
@@ -3867,13 +3858,6 @@
   <p:clrMapOvr>
     <a:masterClrMapping/>
   </p:clrMapOvr>
-  <p:timing>
-    <p:tnLst>
-      <p:par>
-        <p:cTn id="1" dur="indefinite" restart="never" nodeType="tmRoot"/>
-      </p:par>
-    </p:tnLst>
-  </p:timing>
 </p:sld>
 </file>
 
@@ -3910,7 +3894,7 @@
           <a:lstStyle/>
           <a:p>
             <a:r>
-              <a:rPr lang="en-US" dirty="0" smtClean="0"/>
+              <a:rPr lang="en-US" dirty="0"/>
               <a:t>Predefined macro names</a:t>
             </a:r>
             <a:endParaRPr lang="en-IN" dirty="0"/>
@@ -3941,8 +3925,20 @@
             <a:tbl>
               <a:tblPr/>
               <a:tblGrid>
-                <a:gridCol w="3805238"/>
-                <a:gridCol w="3805238"/>
+                <a:gridCol w="3805238">
+                  <a:extLst>
+                    <a:ext uri="{9D8B030D-6E8A-4147-A177-3AD203B41FA5}">
+                      <a16:colId xmlns:a16="http://schemas.microsoft.com/office/drawing/2014/main" val="20000"/>
+                    </a:ext>
+                  </a:extLst>
+                </a:gridCol>
+                <a:gridCol w="3805238">
+                  <a:extLst>
+                    <a:ext uri="{9D8B030D-6E8A-4147-A177-3AD203B41FA5}">
+                      <a16:colId xmlns:a16="http://schemas.microsoft.com/office/drawing/2014/main" val="20001"/>
+                    </a:ext>
+                  </a:extLst>
+                </a:gridCol>
               </a:tblGrid>
               <a:tr h="0">
                 <a:tc>
@@ -4057,6 +4053,11 @@
                     </a:solidFill>
                   </a:tcPr>
                 </a:tc>
+                <a:extLst>
+                  <a:ext uri="{0D108BD9-81ED-4DB2-BD59-A6C34878D82A}">
+                    <a16:rowId xmlns:a16="http://schemas.microsoft.com/office/drawing/2014/main" val="10000"/>
+                  </a:ext>
+                </a:extLst>
               </a:tr>
               <a:tr h="0">
                 <a:tc>
@@ -4171,6 +4172,11 @@
                     </a:solidFill>
                   </a:tcPr>
                 </a:tc>
+                <a:extLst>
+                  <a:ext uri="{0D108BD9-81ED-4DB2-BD59-A6C34878D82A}">
+                    <a16:rowId xmlns:a16="http://schemas.microsoft.com/office/drawing/2014/main" val="10001"/>
+                  </a:ext>
+                </a:extLst>
               </a:tr>
               <a:tr h="0">
                 <a:tc>
@@ -4285,6 +4291,11 @@
                     </a:solidFill>
                   </a:tcPr>
                 </a:tc>
+                <a:extLst>
+                  <a:ext uri="{0D108BD9-81ED-4DB2-BD59-A6C34878D82A}">
+                    <a16:rowId xmlns:a16="http://schemas.microsoft.com/office/drawing/2014/main" val="10002"/>
+                  </a:ext>
+                </a:extLst>
               </a:tr>
               <a:tr h="0">
                 <a:tc>
@@ -4399,6 +4410,11 @@
                     </a:solidFill>
                   </a:tcPr>
                 </a:tc>
+                <a:extLst>
+                  <a:ext uri="{0D108BD9-81ED-4DB2-BD59-A6C34878D82A}">
+                    <a16:rowId xmlns:a16="http://schemas.microsoft.com/office/drawing/2014/main" val="10003"/>
+                  </a:ext>
+                </a:extLst>
               </a:tr>
               <a:tr h="0">
                 <a:tc>
@@ -4467,31 +4483,19 @@
                         <a:rPr lang="en-US" b="0" dirty="0">
                           <a:effectLst/>
                         </a:rPr>
-                        <a:t>It is defined as 1 when the compiler complies with the </a:t>
+                        <a:t>It is defined as 1 when the compiler complies with the ISO</a:t>
                       </a:r>
                       <a:r>
-                        <a:rPr lang="en-US" b="0" dirty="0" smtClean="0">
-                          <a:effectLst/>
-                        </a:rPr>
-                        <a:t>ISO</a:t>
-                      </a:r>
-                      <a:r>
-                        <a:rPr lang="en-US" b="0" baseline="0" dirty="0" smtClean="0">
+                        <a:rPr lang="en-US" b="0" baseline="0" dirty="0">
                           <a:effectLst/>
                         </a:rPr>
                         <a:t> </a:t>
                       </a:r>
                       <a:r>
-                        <a:rPr lang="en-US" b="0" dirty="0" smtClean="0">
-                          <a:effectLst/>
-                        </a:rPr>
-                        <a:t>standard</a:t>
-                      </a:r>
-                      <a:r>
                         <a:rPr lang="en-US" b="0" dirty="0">
                           <a:effectLst/>
                         </a:rPr>
-                        <a:t>.</a:t>
+                        <a:t>standard.</a:t>
                       </a:r>
                     </a:p>
                   </a:txBody>
@@ -4537,6 +4541,11 @@
                     </a:solidFill>
                   </a:tcPr>
                 </a:tc>
+                <a:extLst>
+                  <a:ext uri="{0D108BD9-81ED-4DB2-BD59-A6C34878D82A}">
+                    <a16:rowId xmlns:a16="http://schemas.microsoft.com/office/drawing/2014/main" val="10004"/>
+                  </a:ext>
+                </a:extLst>
               </a:tr>
               <a:tr h="0">
                 <a:tc>
@@ -4651,6 +4660,11 @@
                     </a:solidFill>
                   </a:tcPr>
                 </a:tc>
+                <a:extLst>
+                  <a:ext uri="{0D108BD9-81ED-4DB2-BD59-A6C34878D82A}">
+                    <a16:rowId xmlns:a16="http://schemas.microsoft.com/office/drawing/2014/main" val="10005"/>
+                  </a:ext>
+                </a:extLst>
               </a:tr>
             </a:tbl>
           </a:graphicData>
@@ -4702,7 +4716,7 @@
           <a:lstStyle/>
           <a:p>
             <a:r>
-              <a:rPr lang="en-US" dirty="0" smtClean="0"/>
+              <a:rPr lang="en-US" dirty="0"/>
               <a:t>Predefined macro names</a:t>
             </a:r>
             <a:endParaRPr lang="en-IN" dirty="0"/>
@@ -4730,15 +4744,15 @@
               <a:buNone/>
             </a:pPr>
             <a:r>
-              <a:rPr lang="en-US" dirty="0" smtClean="0"/>
+              <a:rPr lang="en-US" dirty="0"/>
               <a:t>#include &lt;</a:t>
             </a:r>
             <a:r>
-              <a:rPr lang="en-US" dirty="0" err="1" smtClean="0"/>
+              <a:rPr lang="en-US" dirty="0" err="1"/>
               <a:t>stdio.h</a:t>
             </a:r>
             <a:r>
-              <a:rPr lang="en-US" dirty="0" smtClean="0"/>
+              <a:rPr lang="en-US" dirty="0"/>
               <a:t>&gt;</a:t>
             </a:r>
           </a:p>
@@ -4746,14 +4760,14 @@
             <a:pPr marL="0" indent="0">
               <a:buNone/>
             </a:pPr>
-            <a:endParaRPr lang="en-US" dirty="0" smtClean="0"/>
-          </a:p>
-          <a:p>
-            <a:pPr marL="0" indent="0">
-              <a:buNone/>
-            </a:pPr>
-            <a:r>
-              <a:rPr lang="en-US" dirty="0" smtClean="0"/>
+            <a:endParaRPr lang="en-US" dirty="0"/>
+          </a:p>
+          <a:p>
+            <a:pPr marL="0" indent="0">
+              <a:buNone/>
+            </a:pPr>
+            <a:r>
+              <a:rPr lang="en-US" dirty="0"/>
               <a:t>main() {</a:t>
             </a:r>
           </a:p>
@@ -4761,22 +4775,22 @@
             <a:pPr marL="0" indent="0">
               <a:buNone/>
             </a:pPr>
-            <a:endParaRPr lang="en-US" dirty="0" smtClean="0"/>
-          </a:p>
-          <a:p>
-            <a:pPr marL="0" indent="0">
-              <a:buNone/>
-            </a:pPr>
-            <a:r>
-              <a:rPr lang="en-US" dirty="0" smtClean="0"/>
+            <a:endParaRPr lang="en-US" dirty="0"/>
+          </a:p>
+          <a:p>
+            <a:pPr marL="0" indent="0">
+              <a:buNone/>
+            </a:pPr>
+            <a:r>
+              <a:rPr lang="en-US" dirty="0"/>
               <a:t>   </a:t>
             </a:r>
             <a:r>
-              <a:rPr lang="en-US" dirty="0" err="1" smtClean="0"/>
+              <a:rPr lang="en-US" dirty="0" err="1"/>
               <a:t>printf</a:t>
             </a:r>
             <a:r>
-              <a:rPr lang="en-US" dirty="0" smtClean="0"/>
+              <a:rPr lang="en-US" dirty="0"/>
               <a:t>("File :%s\n", __FILE__ );</a:t>
             </a:r>
           </a:p>
@@ -4785,15 +4799,15 @@
               <a:buNone/>
             </a:pPr>
             <a:r>
-              <a:rPr lang="en-US" dirty="0" smtClean="0"/>
+              <a:rPr lang="en-US" dirty="0"/>
               <a:t>   </a:t>
             </a:r>
             <a:r>
-              <a:rPr lang="en-US" dirty="0" err="1" smtClean="0"/>
+              <a:rPr lang="en-US" dirty="0" err="1"/>
               <a:t>printf</a:t>
             </a:r>
             <a:r>
-              <a:rPr lang="en-US" dirty="0" smtClean="0"/>
+              <a:rPr lang="en-US" dirty="0"/>
               <a:t>("Date :%s\n", __DATE__ );</a:t>
             </a:r>
           </a:p>
@@ -4802,15 +4816,15 @@
               <a:buNone/>
             </a:pPr>
             <a:r>
-              <a:rPr lang="en-US" dirty="0" smtClean="0"/>
+              <a:rPr lang="en-US" dirty="0"/>
               <a:t>   </a:t>
             </a:r>
             <a:r>
-              <a:rPr lang="en-US" dirty="0" err="1" smtClean="0"/>
+              <a:rPr lang="en-US" dirty="0" err="1"/>
               <a:t>printf</a:t>
             </a:r>
             <a:r>
-              <a:rPr lang="en-US" dirty="0" smtClean="0"/>
+              <a:rPr lang="en-US" dirty="0"/>
               <a:t>("Time :%s\n", __TIME__ );</a:t>
             </a:r>
           </a:p>
@@ -4819,15 +4833,15 @@
               <a:buNone/>
             </a:pPr>
             <a:r>
-              <a:rPr lang="en-US" dirty="0" smtClean="0"/>
+              <a:rPr lang="en-US" dirty="0"/>
               <a:t>   </a:t>
             </a:r>
             <a:r>
-              <a:rPr lang="en-US" dirty="0" err="1" smtClean="0"/>
+              <a:rPr lang="en-US" dirty="0" err="1"/>
               <a:t>printf</a:t>
             </a:r>
             <a:r>
-              <a:rPr lang="en-US" dirty="0" smtClean="0"/>
+              <a:rPr lang="en-US" dirty="0"/>
               <a:t>("Timestamp :%s\n", __TIMESTAMP__ );</a:t>
             </a:r>
           </a:p>
@@ -4836,15 +4850,15 @@
               <a:buNone/>
             </a:pPr>
             <a:r>
-              <a:rPr lang="en-US" dirty="0" smtClean="0"/>
+              <a:rPr lang="en-US" dirty="0"/>
               <a:t>   </a:t>
             </a:r>
             <a:r>
-              <a:rPr lang="en-US" dirty="0" err="1" smtClean="0"/>
+              <a:rPr lang="en-US" dirty="0" err="1"/>
               <a:t>printf</a:t>
             </a:r>
             <a:r>
-              <a:rPr lang="en-US" dirty="0" smtClean="0"/>
+              <a:rPr lang="en-US" dirty="0"/>
               <a:t>("STDC :%d\n", __STDC__ );</a:t>
             </a:r>
           </a:p>
@@ -4853,15 +4867,15 @@
               <a:buNone/>
             </a:pPr>
             <a:r>
-              <a:rPr lang="en-US" dirty="0" smtClean="0"/>
+              <a:rPr lang="en-US" dirty="0"/>
               <a:t>   </a:t>
             </a:r>
             <a:r>
-              <a:rPr lang="en-US" dirty="0" err="1" smtClean="0"/>
+              <a:rPr lang="en-US" dirty="0" err="1"/>
               <a:t>printf</a:t>
             </a:r>
             <a:r>
-              <a:rPr lang="en-US" dirty="0" smtClean="0"/>
+              <a:rPr lang="en-US" dirty="0"/>
               <a:t>("STDC version :%d\n", __STDC_VERSION__ );</a:t>
             </a:r>
           </a:p>
@@ -4870,15 +4884,15 @@
               <a:buNone/>
             </a:pPr>
             <a:r>
-              <a:rPr lang="en-US" dirty="0" smtClean="0"/>
+              <a:rPr lang="en-US" dirty="0"/>
               <a:t>   </a:t>
             </a:r>
             <a:r>
-              <a:rPr lang="en-US" dirty="0" err="1" smtClean="0"/>
+              <a:rPr lang="en-US" dirty="0" err="1"/>
               <a:t>printf</a:t>
             </a:r>
             <a:r>
-              <a:rPr lang="en-US" dirty="0" smtClean="0"/>
+              <a:rPr lang="en-US" dirty="0"/>
               <a:t>("Line :%d\n", __LINE__ );</a:t>
             </a:r>
           </a:p>
@@ -4887,7 +4901,7 @@
               <a:buNone/>
             </a:pPr>
             <a:r>
-              <a:rPr lang="en-US" dirty="0" smtClean="0"/>
+              <a:rPr lang="en-US" dirty="0"/>
               <a:t>}</a:t>
             </a:r>
           </a:p>
@@ -4967,15 +4981,15 @@
               <a:buNone/>
             </a:pPr>
             <a:r>
-              <a:rPr lang="en-US" dirty="0" smtClean="0"/>
+              <a:rPr lang="en-US" dirty="0"/>
               <a:t>#include &lt;</a:t>
             </a:r>
             <a:r>
-              <a:rPr lang="en-US" dirty="0" err="1" smtClean="0"/>
+              <a:rPr lang="en-US" dirty="0" err="1"/>
               <a:t>stdio.h</a:t>
             </a:r>
             <a:r>
-              <a:rPr lang="en-US" dirty="0" smtClean="0"/>
+              <a:rPr lang="en-US" dirty="0"/>
               <a:t>&gt;</a:t>
             </a:r>
           </a:p>
@@ -4984,7 +4998,7 @@
               <a:buNone/>
             </a:pPr>
             <a:r>
-              <a:rPr lang="en-US" dirty="0" smtClean="0"/>
+              <a:rPr lang="en-US" dirty="0"/>
               <a:t>#define SQUARE(x) ((x)*(x))</a:t>
             </a:r>
           </a:p>
@@ -4993,7 +5007,7 @@
               <a:buNone/>
             </a:pPr>
             <a:r>
-              <a:rPr lang="en-US" dirty="0" smtClean="0"/>
+              <a:rPr lang="en-US" dirty="0"/>
               <a:t>#define CUBE(x) (SQUARE(x)*(x))</a:t>
             </a:r>
           </a:p>
@@ -5002,7 +5016,7 @@
               <a:buNone/>
             </a:pPr>
             <a:r>
-              <a:rPr lang="en-US" dirty="0" smtClean="0"/>
+              <a:rPr lang="en-US" dirty="0"/>
               <a:t>#define FOURTH_POWER(x) (CUBE(x)*(x))</a:t>
             </a:r>
           </a:p>
@@ -5011,7 +5025,7 @@
               <a:buNone/>
             </a:pPr>
             <a:r>
-              <a:rPr lang="en-US" dirty="0" smtClean="0"/>
+              <a:rPr lang="en-US" dirty="0"/>
               <a:t>#define FIFTH_POWER(x) (FOURTH_POWER(x)*(x))</a:t>
             </a:r>
           </a:p>
@@ -5020,11 +5034,11 @@
               <a:buNone/>
             </a:pPr>
             <a:r>
-              <a:rPr lang="en-US" dirty="0" err="1" smtClean="0"/>
+              <a:rPr lang="en-US" dirty="0" err="1"/>
               <a:t>int</a:t>
             </a:r>
             <a:r>
-              <a:rPr lang="en-US" dirty="0" smtClean="0"/>
+              <a:rPr lang="en-US" dirty="0"/>
               <a:t> main() {</a:t>
             </a:r>
           </a:p>
@@ -5033,23 +5047,23 @@
               <a:buNone/>
             </a:pPr>
             <a:r>
-              <a:rPr lang="en-US" dirty="0" smtClean="0"/>
+              <a:rPr lang="en-US" dirty="0"/>
               <a:t> </a:t>
             </a:r>
             <a:r>
-              <a:rPr lang="en-US" dirty="0" err="1" smtClean="0"/>
+              <a:rPr lang="en-US" dirty="0" err="1"/>
               <a:t>printf</a:t>
             </a:r>
             <a:r>
-              <a:rPr lang="en-US" dirty="0" smtClean="0"/>
+              <a:rPr lang="en-US" dirty="0"/>
               <a:t>("%</a:t>
             </a:r>
             <a:r>
-              <a:rPr lang="en-US" dirty="0" err="1" smtClean="0"/>
+              <a:rPr lang="en-US" dirty="0" err="1"/>
               <a:t>d",FIFTH_POWER</a:t>
             </a:r>
             <a:r>
-              <a:rPr lang="en-US" dirty="0" smtClean="0"/>
+              <a:rPr lang="en-US" dirty="0"/>
               <a:t>(5));</a:t>
             </a:r>
           </a:p>
@@ -5058,7 +5072,7 @@
               <a:buNone/>
             </a:pPr>
             <a:r>
-              <a:rPr lang="en-US" dirty="0" smtClean="0"/>
+              <a:rPr lang="en-US" dirty="0"/>
               <a:t> return 0;</a:t>
             </a:r>
           </a:p>
@@ -5067,7 +5081,7 @@
               <a:buNone/>
             </a:pPr>
             <a:r>
-              <a:rPr lang="en-US" dirty="0" smtClean="0"/>
+              <a:rPr lang="en-US" dirty="0"/>
               <a:t>}</a:t>
             </a:r>
             <a:endParaRPr lang="en-IN" dirty="0"/>
@@ -5153,8 +5167,20 @@
                 <a:tableStyleId>{5C22544A-7EE6-4342-B048-85BDC9FD1C3A}</a:tableStyleId>
               </a:tblPr>
               <a:tblGrid>
-                <a:gridCol w="4114800"/>
-                <a:gridCol w="4114800"/>
+                <a:gridCol w="4114800">
+                  <a:extLst>
+                    <a:ext uri="{9D8B030D-6E8A-4147-A177-3AD203B41FA5}">
+                      <a16:colId xmlns:a16="http://schemas.microsoft.com/office/drawing/2014/main" val="20000"/>
+                    </a:ext>
+                  </a:extLst>
+                </a:gridCol>
+                <a:gridCol w="4114800">
+                  <a:extLst>
+                    <a:ext uri="{9D8B030D-6E8A-4147-A177-3AD203B41FA5}">
+                      <a16:colId xmlns:a16="http://schemas.microsoft.com/office/drawing/2014/main" val="20001"/>
+                    </a:ext>
+                  </a:extLst>
+                </a:gridCol>
               </a:tblGrid>
               <a:tr h="370840">
                 <a:tc>
@@ -5163,7 +5189,7 @@
                     <a:lstStyle/>
                     <a:p>
                       <a:r>
-                        <a:rPr lang="en-US" dirty="0" smtClean="0"/>
+                        <a:rPr lang="en-US" dirty="0"/>
                         <a:t> Operator</a:t>
                       </a:r>
                       <a:endParaRPr lang="en-IN" dirty="0"/>
@@ -5181,6 +5207,11 @@
                   </a:txBody>
                   <a:tcPr/>
                 </a:tc>
+                <a:extLst>
+                  <a:ext uri="{0D108BD9-81ED-4DB2-BD59-A6C34878D82A}">
+                    <a16:rowId xmlns:a16="http://schemas.microsoft.com/office/drawing/2014/main" val="10000"/>
+                  </a:ext>
+                </a:extLst>
               </a:tr>
               <a:tr h="370840">
                 <a:tc>
@@ -5189,14 +5220,13 @@
                     <a:lstStyle/>
                     <a:p>
                       <a:r>
-                        <a:rPr lang="en-IN" dirty="0" err="1" smtClean="0"/>
+                        <a:rPr lang="en-IN" dirty="0" err="1"/>
                         <a:t>Stringizing</a:t>
                       </a:r>
                       <a:r>
-                        <a:rPr lang="en-IN" dirty="0" smtClean="0"/>
+                        <a:rPr lang="en-IN" dirty="0"/>
                         <a:t> operator (#) </a:t>
                       </a:r>
-                      <a:endParaRPr lang="en-IN" dirty="0"/>
                     </a:p>
                   </a:txBody>
                   <a:tcPr/>
@@ -5207,27 +5237,27 @@
                     <a:lstStyle/>
                     <a:p>
                       <a:r>
-                        <a:rPr lang="en-US" dirty="0" smtClean="0"/>
+                        <a:rPr lang="en-US" dirty="0"/>
                         <a:t>The number-sign or "</a:t>
                       </a:r>
                       <a:r>
-                        <a:rPr lang="en-US" dirty="0" err="1" smtClean="0"/>
+                        <a:rPr lang="en-US" dirty="0" err="1"/>
                         <a:t>stringizing</a:t>
                       </a:r>
                       <a:r>
-                        <a:rPr lang="en-US" dirty="0" smtClean="0"/>
+                        <a:rPr lang="en-US" dirty="0"/>
                         <a:t>" operator (#) converts macro parameters to string literals </a:t>
                       </a:r>
                       <a:r>
-                        <a:rPr lang="en-US" dirty="0" err="1" smtClean="0"/>
+                        <a:rPr lang="en-US" dirty="0" err="1"/>
                         <a:t>withoutexpanding</a:t>
                       </a:r>
                       <a:r>
-                        <a:rPr lang="en-US" dirty="0" smtClean="0"/>
+                        <a:rPr lang="en-US" dirty="0"/>
                         <a:t> the parameter definition. It's used only with macros that </a:t>
                       </a:r>
                       <a:r>
-                        <a:rPr lang="en-US" dirty="0" err="1" smtClean="0"/>
+                        <a:rPr lang="en-US" dirty="0" err="1"/>
                         <a:t>takearguments</a:t>
                       </a:r>
                       <a:endParaRPr lang="en-IN" dirty="0"/>
@@ -5235,6 +5265,11 @@
                   </a:txBody>
                   <a:tcPr/>
                 </a:tc>
+                <a:extLst>
+                  <a:ext uri="{0D108BD9-81ED-4DB2-BD59-A6C34878D82A}">
+                    <a16:rowId xmlns:a16="http://schemas.microsoft.com/office/drawing/2014/main" val="10001"/>
+                  </a:ext>
+                </a:extLst>
               </a:tr>
               <a:tr h="370840">
                 <a:tc>
@@ -5243,10 +5278,9 @@
                     <a:lstStyle/>
                     <a:p>
                       <a:r>
-                        <a:rPr lang="en-IN" dirty="0" smtClean="0"/>
+                        <a:rPr lang="en-IN" dirty="0"/>
                         <a:t>Token-pasting operator (##)</a:t>
                       </a:r>
-                      <a:endParaRPr lang="en-IN" dirty="0"/>
                     </a:p>
                   </a:txBody>
                   <a:tcPr/>
@@ -5257,7 +5291,7 @@
                     <a:lstStyle/>
                     <a:p>
                       <a:r>
-                        <a:rPr lang="en-US" dirty="0" smtClean="0"/>
+                        <a:rPr lang="en-US" dirty="0"/>
                         <a:t>concatenate</a:t>
                       </a:r>
                       <a:endParaRPr lang="en-IN" dirty="0"/>
@@ -5265,6 +5299,11 @@
                   </a:txBody>
                   <a:tcPr/>
                 </a:tc>
+                <a:extLst>
+                  <a:ext uri="{0D108BD9-81ED-4DB2-BD59-A6C34878D82A}">
+                    <a16:rowId xmlns:a16="http://schemas.microsoft.com/office/drawing/2014/main" val="10002"/>
+                  </a:ext>
+                </a:extLst>
               </a:tr>
             </a:tbl>
           </a:graphicData>
@@ -5316,7 +5355,7 @@
           <a:lstStyle/>
           <a:p>
             <a:r>
-              <a:rPr lang="en-US" dirty="0" smtClean="0"/>
+              <a:rPr lang="en-US" dirty="0"/>
               <a:t>#operator</a:t>
             </a:r>
             <a:endParaRPr lang="en-IN" dirty="0"/>
@@ -5344,15 +5383,15 @@
               <a:buNone/>
             </a:pPr>
             <a:r>
-              <a:rPr lang="en-US" dirty="0" smtClean="0"/>
+              <a:rPr lang="en-US" dirty="0"/>
               <a:t>#include &lt;</a:t>
             </a:r>
             <a:r>
-              <a:rPr lang="en-US" dirty="0" err="1" smtClean="0"/>
+              <a:rPr lang="en-US" dirty="0" err="1"/>
               <a:t>stdio.h</a:t>
             </a:r>
             <a:r>
-              <a:rPr lang="en-US" dirty="0" smtClean="0"/>
+              <a:rPr lang="en-US" dirty="0"/>
               <a:t>&gt;</a:t>
             </a:r>
           </a:p>
@@ -5360,14 +5399,14 @@
             <a:pPr marL="0" indent="0">
               <a:buNone/>
             </a:pPr>
-            <a:endParaRPr lang="en-US" dirty="0" smtClean="0"/>
-          </a:p>
-          <a:p>
-            <a:pPr marL="0" indent="0">
-              <a:buNone/>
-            </a:pPr>
-            <a:r>
-              <a:rPr lang="en-US" dirty="0" smtClean="0">
+            <a:endParaRPr lang="en-US" dirty="0"/>
+          </a:p>
+          <a:p>
+            <a:pPr marL="0" indent="0">
+              <a:buNone/>
+            </a:pPr>
+            <a:r>
+              <a:rPr lang="en-US" dirty="0">
                 <a:solidFill>
                   <a:srgbClr val="FF0000"/>
                 </a:solidFill>
@@ -5375,7 +5414,7 @@
               <a:t>#define  </a:t>
             </a:r>
             <a:r>
-              <a:rPr lang="en-US" dirty="0" err="1" smtClean="0">
+              <a:rPr lang="en-US" dirty="0" err="1">
                 <a:solidFill>
                   <a:srgbClr val="FF0000"/>
                 </a:solidFill>
@@ -5383,7 +5422,7 @@
               <a:t>message_for</a:t>
             </a:r>
             <a:r>
-              <a:rPr lang="en-US" dirty="0" smtClean="0">
+              <a:rPr lang="en-US" dirty="0">
                 <a:solidFill>
                   <a:srgbClr val="FF0000"/>
                 </a:solidFill>
@@ -5391,7 +5430,7 @@
               <a:t>(a, b)  </a:t>
             </a:r>
             <a:r>
-              <a:rPr lang="en-US" dirty="0" smtClean="0">
+              <a:rPr lang="en-US" dirty="0">
                 <a:solidFill>
                   <a:srgbClr val="00B050"/>
                 </a:solidFill>
@@ -5404,7 +5443,7 @@
               <a:buNone/>
             </a:pPr>
             <a:r>
-              <a:rPr lang="en-US" dirty="0" smtClean="0">
+              <a:rPr lang="en-US" dirty="0">
                 <a:solidFill>
                   <a:srgbClr val="FF0000"/>
                 </a:solidFill>
@@ -5412,7 +5451,7 @@
               <a:t>   </a:t>
             </a:r>
             <a:r>
-              <a:rPr lang="en-US" dirty="0" err="1" smtClean="0">
+              <a:rPr lang="en-US" dirty="0" err="1">
                 <a:solidFill>
                   <a:srgbClr val="FF0000"/>
                 </a:solidFill>
@@ -5420,7 +5459,7 @@
               <a:t>printf</a:t>
             </a:r>
             <a:r>
-              <a:rPr lang="en-US" dirty="0" smtClean="0">
+              <a:rPr lang="en-US" dirty="0">
                 <a:solidFill>
                   <a:srgbClr val="FF0000"/>
                 </a:solidFill>
@@ -5432,18 +5471,18 @@
             <a:pPr marL="0" indent="0">
               <a:buNone/>
             </a:pPr>
-            <a:endParaRPr lang="en-US" dirty="0" smtClean="0"/>
-          </a:p>
-          <a:p>
-            <a:pPr marL="0" indent="0">
-              <a:buNone/>
-            </a:pPr>
-            <a:r>
-              <a:rPr lang="en-US" dirty="0" err="1" smtClean="0"/>
+            <a:endParaRPr lang="en-US" dirty="0"/>
+          </a:p>
+          <a:p>
+            <a:pPr marL="0" indent="0">
+              <a:buNone/>
+            </a:pPr>
+            <a:r>
+              <a:rPr lang="en-US" dirty="0" err="1"/>
               <a:t>int</a:t>
             </a:r>
             <a:r>
-              <a:rPr lang="en-US" dirty="0" smtClean="0"/>
+              <a:rPr lang="en-US" dirty="0"/>
               <a:t> main(void) {</a:t>
             </a:r>
           </a:p>
@@ -5452,31 +5491,31 @@
               <a:buNone/>
             </a:pPr>
             <a:r>
-              <a:rPr lang="en-US" dirty="0" smtClean="0"/>
+              <a:rPr lang="en-US" dirty="0"/>
               <a:t>   </a:t>
             </a:r>
             <a:r>
-              <a:rPr lang="en-US" dirty="0" err="1" smtClean="0"/>
+              <a:rPr lang="en-US" dirty="0" err="1"/>
               <a:t>message_for</a:t>
             </a:r>
             <a:r>
-              <a:rPr lang="en-US" dirty="0" smtClean="0"/>
+              <a:rPr lang="en-US" dirty="0"/>
               <a:t>(</a:t>
             </a:r>
             <a:r>
-              <a:rPr lang="en-US" dirty="0" err="1" smtClean="0"/>
+              <a:rPr lang="en-US" dirty="0" err="1"/>
               <a:t>Jeba</a:t>
             </a:r>
             <a:r>
-              <a:rPr lang="en-US" dirty="0" smtClean="0"/>
+              <a:rPr lang="en-US" dirty="0"/>
               <a:t>, </a:t>
             </a:r>
             <a:r>
-              <a:rPr lang="en-US" dirty="0" err="1" smtClean="0"/>
+              <a:rPr lang="en-US" dirty="0" err="1"/>
               <a:t>Jeruba</a:t>
             </a:r>
             <a:r>
-              <a:rPr lang="en-US" dirty="0" smtClean="0"/>
+              <a:rPr lang="en-US" dirty="0"/>
               <a:t>);</a:t>
             </a:r>
           </a:p>
@@ -5485,7 +5524,7 @@
               <a:buNone/>
             </a:pPr>
             <a:r>
-              <a:rPr lang="en-US" dirty="0" smtClean="0"/>
+              <a:rPr lang="en-US" dirty="0"/>
               <a:t>   return 0;</a:t>
             </a:r>
           </a:p>
@@ -5494,7 +5533,7 @@
               <a:buNone/>
             </a:pPr>
             <a:r>
-              <a:rPr lang="en-US" dirty="0" smtClean="0"/>
+              <a:rPr lang="en-US" dirty="0"/>
               <a:t>}</a:t>
             </a:r>
             <a:endParaRPr lang="en-IN" dirty="0"/>
@@ -5547,7 +5586,7 @@
           <a:lstStyle/>
           <a:p>
             <a:r>
-              <a:rPr lang="en-US" dirty="0" smtClean="0"/>
+              <a:rPr lang="en-US" dirty="0"/>
               <a:t>##operator</a:t>
             </a:r>
             <a:endParaRPr lang="en-IN" dirty="0"/>
@@ -5585,15 +5624,15 @@
               <a:buNone/>
             </a:pPr>
             <a:r>
-              <a:rPr lang="en-IN" dirty="0" smtClean="0"/>
+              <a:rPr lang="en-IN" dirty="0"/>
               <a:t>#include &lt;</a:t>
             </a:r>
             <a:r>
-              <a:rPr lang="en-IN" dirty="0" err="1" smtClean="0"/>
+              <a:rPr lang="en-IN" dirty="0" err="1"/>
               <a:t>stdio.h</a:t>
             </a:r>
             <a:r>
-              <a:rPr lang="en-IN" dirty="0" smtClean="0"/>
+              <a:rPr lang="en-IN" dirty="0"/>
               <a:t>&gt;</a:t>
             </a:r>
           </a:p>
@@ -5602,7 +5641,7 @@
               <a:buNone/>
             </a:pPr>
             <a:r>
-              <a:rPr lang="en-IN" dirty="0" smtClean="0">
+              <a:rPr lang="en-IN" dirty="0">
                 <a:solidFill>
                   <a:srgbClr val="FF0000"/>
                 </a:solidFill>
@@ -5610,7 +5649,7 @@
               <a:t>#define </a:t>
             </a:r>
             <a:r>
-              <a:rPr lang="en-IN" dirty="0" err="1" smtClean="0">
+              <a:rPr lang="en-IN" dirty="0" err="1">
                 <a:solidFill>
                   <a:srgbClr val="FF0000"/>
                 </a:solidFill>
@@ -5618,7 +5657,7 @@
               <a:t>tokencall</a:t>
             </a:r>
             <a:r>
-              <a:rPr lang="en-IN" dirty="0" smtClean="0">
+              <a:rPr lang="en-IN" dirty="0">
                 <a:solidFill>
                   <a:srgbClr val="FF0000"/>
                 </a:solidFill>
@@ -5626,7 +5665,7 @@
               <a:t>(n) </a:t>
             </a:r>
             <a:r>
-              <a:rPr lang="en-IN" dirty="0" err="1" smtClean="0">
+              <a:rPr lang="en-IN" dirty="0" err="1">
                 <a:solidFill>
                   <a:srgbClr val="FF0000"/>
                 </a:solidFill>
@@ -5634,7 +5673,7 @@
               <a:t>printf</a:t>
             </a:r>
             <a:r>
-              <a:rPr lang="en-IN" dirty="0" smtClean="0">
+              <a:rPr lang="en-IN" dirty="0">
                 <a:solidFill>
                   <a:srgbClr val="FF0000"/>
                 </a:solidFill>
@@ -5647,11 +5686,11 @@
               <a:buNone/>
             </a:pPr>
             <a:r>
-              <a:rPr lang="en-IN" dirty="0" err="1" smtClean="0"/>
+              <a:rPr lang="en-IN" dirty="0" err="1"/>
               <a:t>int</a:t>
             </a:r>
             <a:r>
-              <a:rPr lang="en-IN" dirty="0" smtClean="0"/>
+              <a:rPr lang="en-IN" dirty="0"/>
               <a:t> main(void) {</a:t>
             </a:r>
           </a:p>
@@ -5660,15 +5699,15 @@
               <a:buNone/>
             </a:pPr>
             <a:r>
-              <a:rPr lang="en-IN" dirty="0" smtClean="0"/>
+              <a:rPr lang="en-IN" dirty="0"/>
               <a:t>   </a:t>
             </a:r>
             <a:r>
-              <a:rPr lang="en-IN" dirty="0" err="1" smtClean="0"/>
+              <a:rPr lang="en-IN" dirty="0" err="1"/>
               <a:t>int</a:t>
             </a:r>
             <a:r>
-              <a:rPr lang="en-IN" dirty="0" smtClean="0"/>
+              <a:rPr lang="en-IN" dirty="0"/>
               <a:t> token2=2000;</a:t>
             </a:r>
           </a:p>
@@ -5677,15 +5716,15 @@
               <a:buNone/>
             </a:pPr>
             <a:r>
-              <a:rPr lang="en-IN" dirty="0" smtClean="0"/>
+              <a:rPr lang="en-IN" dirty="0"/>
               <a:t>   </a:t>
             </a:r>
             <a:r>
-              <a:rPr lang="en-IN" dirty="0" err="1" smtClean="0"/>
+              <a:rPr lang="en-IN" dirty="0" err="1"/>
               <a:t>tokencall</a:t>
             </a:r>
             <a:r>
-              <a:rPr lang="en-IN" dirty="0" smtClean="0"/>
+              <a:rPr lang="en-IN" dirty="0"/>
               <a:t>(2);</a:t>
             </a:r>
           </a:p>
@@ -5694,7 +5733,7 @@
               <a:buNone/>
             </a:pPr>
             <a:r>
-              <a:rPr lang="en-IN" dirty="0" smtClean="0"/>
+              <a:rPr lang="en-IN" dirty="0"/>
               <a:t>   return 0;</a:t>
             </a:r>
           </a:p>
@@ -5703,10 +5742,9 @@
               <a:buNone/>
             </a:pPr>
             <a:r>
-              <a:rPr lang="en-IN" dirty="0" smtClean="0"/>
+              <a:rPr lang="en-IN" dirty="0"/>
               <a:t>}</a:t>
             </a:r>
-            <a:endParaRPr lang="en-IN" dirty="0"/>
           </a:p>
         </p:txBody>
       </p:sp>
@@ -5737,12 +5775,8 @@
               <a:buNone/>
             </a:pPr>
             <a:r>
-              <a:rPr lang="en-IN" dirty="0" smtClean="0"/>
-              <a:t>#</a:t>
-            </a:r>
-            <a:r>
-              <a:rPr lang="en-IN" dirty="0"/>
-              <a:t>include &lt;</a:t>
+              <a:rPr lang="en-IN" dirty="0"/>
+              <a:t>#include &lt;</a:t>
             </a:r>
             <a:r>
               <a:rPr lang="en-IN" dirty="0" err="1"/>
@@ -5900,7 +5934,7 @@
           <a:lstStyle/>
           <a:p>
             <a:r>
-              <a:rPr lang="en-US" sz="2000" dirty="0" smtClean="0"/>
+              <a:rPr lang="en-US" sz="2000" dirty="0"/>
               <a:t>Example 1</a:t>
             </a:r>
             <a:endParaRPr lang="en-IN" sz="2000" dirty="0"/>
@@ -5930,7 +5964,7 @@
           <a:lstStyle/>
           <a:p>
             <a:r>
-              <a:rPr lang="en-US" sz="2000" dirty="0" smtClean="0"/>
+              <a:rPr lang="en-US" sz="2000" dirty="0"/>
               <a:t>Example 2</a:t>
             </a:r>
             <a:endParaRPr lang="en-IN" sz="2000" dirty="0"/>
@@ -6014,29 +6048,29 @@
           <a:lstStyle/>
           <a:p>
             <a:r>
-              <a:rPr lang="en-US" dirty="0" smtClean="0"/>
+              <a:rPr lang="en-US" dirty="0"/>
               <a:t>The #if directive, with the #</a:t>
             </a:r>
             <a:r>
-              <a:rPr lang="en-US" dirty="0" err="1" smtClean="0"/>
+              <a:rPr lang="en-US" dirty="0" err="1"/>
               <a:t>elif</a:t>
             </a:r>
             <a:r>
-              <a:rPr lang="en-US" dirty="0" smtClean="0"/>
+              <a:rPr lang="en-US" dirty="0"/>
               <a:t>, #else, and #</a:t>
             </a:r>
             <a:r>
-              <a:rPr lang="en-US" dirty="0" err="1" smtClean="0"/>
+              <a:rPr lang="en-US" dirty="0" err="1"/>
               <a:t>endif</a:t>
             </a:r>
             <a:r>
-              <a:rPr lang="en-US" dirty="0" smtClean="0"/>
+              <a:rPr lang="en-US" dirty="0"/>
               <a:t> directives, controls compilation of portions of a source file. </a:t>
             </a:r>
           </a:p>
           <a:p>
             <a:r>
-              <a:rPr lang="en-US" dirty="0" smtClean="0"/>
+              <a:rPr lang="en-US" dirty="0"/>
               <a:t>If the expression you write(after the #if) has a nonzero value, the line group immediately following the #if directive is kept in the translation unit. </a:t>
             </a:r>
             <a:endParaRPr lang="en-IN" dirty="0"/>
@@ -6070,7 +6104,7 @@
               <a:buNone/>
             </a:pPr>
             <a:r>
-              <a:rPr lang="en-IN" dirty="0" smtClean="0">
+              <a:rPr lang="en-IN" dirty="0">
                 <a:solidFill>
                   <a:srgbClr val="FF0000"/>
                 </a:solidFill>
@@ -6083,7 +6117,7 @@
               <a:buNone/>
             </a:pPr>
             <a:r>
-              <a:rPr lang="en-IN" dirty="0" smtClean="0">
+              <a:rPr lang="en-IN" dirty="0">
                 <a:solidFill>
                   <a:srgbClr val="FF0000"/>
                 </a:solidFill>
@@ -6091,7 +6125,7 @@
               <a:t>#</a:t>
             </a:r>
             <a:r>
-              <a:rPr lang="en-IN" dirty="0" err="1" smtClean="0">
+              <a:rPr lang="en-IN" dirty="0" err="1">
                 <a:solidFill>
                   <a:srgbClr val="FF0000"/>
                 </a:solidFill>
@@ -6099,7 +6133,7 @@
               <a:t>ifdef</a:t>
             </a:r>
             <a:r>
-              <a:rPr lang="en-IN" dirty="0" smtClean="0">
+              <a:rPr lang="en-IN" dirty="0">
                 <a:solidFill>
                   <a:srgbClr val="FF0000"/>
                 </a:solidFill>
@@ -6112,7 +6146,7 @@
               <a:buNone/>
             </a:pPr>
             <a:r>
-              <a:rPr lang="en-IN" dirty="0" smtClean="0">
+              <a:rPr lang="en-IN" dirty="0">
                 <a:solidFill>
                   <a:srgbClr val="FF0000"/>
                 </a:solidFill>
@@ -6120,7 +6154,7 @@
               <a:t>#</a:t>
             </a:r>
             <a:r>
-              <a:rPr lang="en-IN" dirty="0" err="1" smtClean="0">
+              <a:rPr lang="en-IN" dirty="0" err="1">
                 <a:solidFill>
                   <a:srgbClr val="FF0000"/>
                 </a:solidFill>
@@ -6128,7 +6162,7 @@
               <a:t>ifndef</a:t>
             </a:r>
             <a:r>
-              <a:rPr lang="en-IN" dirty="0" smtClean="0">
+              <a:rPr lang="en-IN" dirty="0">
                 <a:solidFill>
                   <a:srgbClr val="FF0000"/>
                 </a:solidFill>
@@ -6140,7 +6174,7 @@
             <a:pPr marL="0" indent="0">
               <a:buNone/>
             </a:pPr>
-            <a:endParaRPr lang="en-IN" dirty="0" smtClean="0">
+            <a:endParaRPr lang="en-IN" dirty="0">
               <a:solidFill>
                 <a:srgbClr val="FF0000"/>
               </a:solidFill>
@@ -6151,7 +6185,7 @@
               <a:buNone/>
             </a:pPr>
             <a:r>
-              <a:rPr lang="en-IN" dirty="0" smtClean="0">
+              <a:rPr lang="en-IN" dirty="0">
                 <a:solidFill>
                   <a:srgbClr val="FF0000"/>
                 </a:solidFill>
@@ -6159,7 +6193,7 @@
               <a:t>#</a:t>
             </a:r>
             <a:r>
-              <a:rPr lang="en-IN" dirty="0" err="1" smtClean="0">
+              <a:rPr lang="en-IN" dirty="0" err="1">
                 <a:solidFill>
                   <a:srgbClr val="FF0000"/>
                 </a:solidFill>
@@ -6167,7 +6201,7 @@
               <a:t>elif</a:t>
             </a:r>
             <a:r>
-              <a:rPr lang="en-IN" dirty="0" smtClean="0">
+              <a:rPr lang="en-IN" dirty="0">
                 <a:solidFill>
                   <a:srgbClr val="FF0000"/>
                 </a:solidFill>
@@ -6179,7 +6213,7 @@
             <a:pPr marL="0" indent="0">
               <a:buNone/>
             </a:pPr>
-            <a:endParaRPr lang="en-IN" dirty="0" smtClean="0">
+            <a:endParaRPr lang="en-IN" dirty="0">
               <a:solidFill>
                 <a:srgbClr val="FF0000"/>
               </a:solidFill>
@@ -6190,7 +6224,7 @@
               <a:buNone/>
             </a:pPr>
             <a:r>
-              <a:rPr lang="en-IN" dirty="0" smtClean="0">
+              <a:rPr lang="en-IN" dirty="0">
                 <a:solidFill>
                   <a:srgbClr val="FF0000"/>
                 </a:solidFill>
@@ -6202,7 +6236,7 @@
             <a:pPr marL="0" indent="0">
               <a:buNone/>
             </a:pPr>
-            <a:endParaRPr lang="en-IN" dirty="0" smtClean="0">
+            <a:endParaRPr lang="en-IN" dirty="0">
               <a:solidFill>
                 <a:srgbClr val="FF0000"/>
               </a:solidFill>
@@ -6213,7 +6247,7 @@
               <a:buNone/>
             </a:pPr>
             <a:r>
-              <a:rPr lang="en-IN" dirty="0" smtClean="0">
+              <a:rPr lang="en-IN" dirty="0">
                 <a:solidFill>
                   <a:srgbClr val="FF0000"/>
                 </a:solidFill>
@@ -6221,7 +6255,7 @@
               <a:t>#</a:t>
             </a:r>
             <a:r>
-              <a:rPr lang="en-IN" dirty="0" err="1" smtClean="0">
+              <a:rPr lang="en-IN" dirty="0" err="1">
                 <a:solidFill>
                   <a:srgbClr val="FF0000"/>
                 </a:solidFill>
@@ -6282,7 +6316,7 @@
           <a:lstStyle/>
           <a:p>
             <a:r>
-              <a:rPr lang="en-US" b="1" dirty="0" smtClean="0"/>
+              <a:rPr lang="en-US" b="1" dirty="0"/>
               <a:t>Preprocessor Directives </a:t>
             </a:r>
             <a:endParaRPr lang="en-IN" dirty="0"/>
@@ -6311,26 +6345,17 @@
               <a:rPr lang="en-US" dirty="0"/>
               <a:t>Preprocessor programs provide preprocessors directives which tell the compiler to preprocess the source code before compiling. </a:t>
             </a:r>
-            <a:endParaRPr lang="en-US" dirty="0" smtClean="0"/>
           </a:p>
           <a:p>
             <a:pPr algn="just"/>
             <a:r>
-              <a:rPr lang="en-US" dirty="0" smtClean="0"/>
-              <a:t>All </a:t>
-            </a:r>
-            <a:r>
               <a:rPr lang="en-US" dirty="0"/>
-              <a:t>of these preprocessor directives begin with a ‘#’ (hash) symbol</a:t>
-            </a:r>
-            <a:r>
-              <a:rPr lang="en-US" dirty="0" smtClean="0"/>
-              <a:t>.</a:t>
+              <a:t>All of these preprocessor directives begin with a ‘#’ (hash) symbol.</a:t>
             </a:r>
           </a:p>
           <a:p>
             <a:pPr algn="just"/>
-            <a:endParaRPr lang="en-US" dirty="0" smtClean="0"/>
+            <a:endParaRPr lang="en-US" dirty="0"/>
           </a:p>
           <a:p>
             <a:pPr algn="just" fontAlgn="base"/>
@@ -6346,10 +6371,9 @@
           <a:p>
             <a:pPr lvl="1" algn="just" fontAlgn="base"/>
             <a:r>
-              <a:rPr lang="en-US" dirty="0" smtClean="0"/>
+              <a:rPr lang="en-US" dirty="0"/>
               <a:t>Macros</a:t>
             </a:r>
-            <a:endParaRPr lang="en-US" dirty="0"/>
           </a:p>
           <a:p>
             <a:pPr lvl="1" algn="just" fontAlgn="base"/>
@@ -6424,7 +6448,7 @@
           <a:lstStyle/>
           <a:p>
             <a:r>
-              <a:rPr lang="en-US" dirty="0" smtClean="0"/>
+              <a:rPr lang="en-US" dirty="0"/>
               <a:t>Conditional compilation</a:t>
             </a:r>
             <a:endParaRPr lang="en-IN" dirty="0"/>
@@ -6458,15 +6482,15 @@
               <a:buNone/>
             </a:pPr>
             <a:r>
-              <a:rPr lang="en-IN" dirty="0" smtClean="0"/>
+              <a:rPr lang="en-IN" dirty="0"/>
               <a:t>#include &lt;</a:t>
             </a:r>
             <a:r>
-              <a:rPr lang="en-IN" dirty="0" err="1" smtClean="0"/>
+              <a:rPr lang="en-IN" dirty="0" err="1"/>
               <a:t>stdio.h</a:t>
             </a:r>
             <a:r>
-              <a:rPr lang="en-IN" dirty="0" smtClean="0"/>
+              <a:rPr lang="en-IN" dirty="0"/>
               <a:t>&gt;</a:t>
             </a:r>
           </a:p>
@@ -6475,11 +6499,11 @@
               <a:buNone/>
             </a:pPr>
             <a:r>
-              <a:rPr lang="en-IN" dirty="0" err="1" smtClean="0"/>
+              <a:rPr lang="en-IN" dirty="0" err="1"/>
               <a:t>int</a:t>
             </a:r>
             <a:r>
-              <a:rPr lang="en-IN" dirty="0" smtClean="0"/>
+              <a:rPr lang="en-IN" dirty="0"/>
               <a:t> main()</a:t>
             </a:r>
           </a:p>
@@ -6488,7 +6512,7 @@
               <a:buNone/>
             </a:pPr>
             <a:r>
-              <a:rPr lang="en-IN" dirty="0" smtClean="0"/>
+              <a:rPr lang="en-IN" dirty="0"/>
               <a:t>{</a:t>
             </a:r>
           </a:p>
@@ -6497,19 +6521,19 @@
               <a:buNone/>
             </a:pPr>
             <a:r>
-              <a:rPr lang="en-IN" dirty="0" err="1" smtClean="0"/>
+              <a:rPr lang="en-IN" dirty="0" err="1"/>
               <a:t>int</a:t>
             </a:r>
             <a:r>
-              <a:rPr lang="en-IN" dirty="0" smtClean="0"/>
+              <a:rPr lang="en-IN" dirty="0"/>
               <a:t> </a:t>
             </a:r>
             <a:r>
-              <a:rPr lang="en-IN" dirty="0" err="1" smtClean="0"/>
+              <a:rPr lang="en-IN" dirty="0" err="1"/>
               <a:t>a,b</a:t>
             </a:r>
             <a:r>
-              <a:rPr lang="en-IN" dirty="0" smtClean="0"/>
+              <a:rPr lang="en-IN" dirty="0"/>
               <a:t>;</a:t>
             </a:r>
           </a:p>
@@ -6518,11 +6542,11 @@
               <a:buNone/>
             </a:pPr>
             <a:r>
-              <a:rPr lang="en-IN" dirty="0" err="1" smtClean="0"/>
+              <a:rPr lang="en-IN" dirty="0" err="1"/>
               <a:t>printf</a:t>
             </a:r>
             <a:r>
-              <a:rPr lang="en-IN" dirty="0" smtClean="0"/>
+              <a:rPr lang="en-IN" dirty="0"/>
               <a:t>("Enter two numbers:\n");</a:t>
             </a:r>
           </a:p>
@@ -6531,27 +6555,27 @@
               <a:buNone/>
             </a:pPr>
             <a:r>
-              <a:rPr lang="en-IN" dirty="0" err="1" smtClean="0"/>
+              <a:rPr lang="en-IN" dirty="0" err="1"/>
               <a:t>scanf</a:t>
             </a:r>
             <a:r>
-              <a:rPr lang="en-IN" dirty="0" smtClean="0"/>
+              <a:rPr lang="en-IN" dirty="0"/>
               <a:t>("%</a:t>
             </a:r>
             <a:r>
-              <a:rPr lang="en-IN" dirty="0" err="1" smtClean="0"/>
+              <a:rPr lang="en-IN" dirty="0" err="1"/>
               <a:t>d%d</a:t>
             </a:r>
             <a:r>
-              <a:rPr lang="en-IN" dirty="0" smtClean="0"/>
+              <a:rPr lang="en-IN" dirty="0"/>
               <a:t>",&amp;</a:t>
             </a:r>
             <a:r>
-              <a:rPr lang="en-IN" dirty="0" err="1" smtClean="0"/>
+              <a:rPr lang="en-IN" dirty="0" err="1"/>
               <a:t>a,&amp;b</a:t>
             </a:r>
             <a:r>
-              <a:rPr lang="en-IN" dirty="0" smtClean="0"/>
+              <a:rPr lang="en-IN" dirty="0"/>
               <a:t>);</a:t>
             </a:r>
           </a:p>
@@ -6560,7 +6584,7 @@
               <a:buNone/>
             </a:pPr>
             <a:r>
-              <a:rPr lang="en-IN" dirty="0" smtClean="0">
+              <a:rPr lang="en-IN" dirty="0">
                 <a:solidFill>
                   <a:srgbClr val="FF0000"/>
                 </a:solidFill>
@@ -6573,23 +6597,23 @@
               <a:buNone/>
             </a:pPr>
             <a:r>
-              <a:rPr lang="en-IN" dirty="0" smtClean="0"/>
+              <a:rPr lang="en-IN" dirty="0"/>
               <a:t> </a:t>
             </a:r>
             <a:r>
-              <a:rPr lang="en-IN" dirty="0" err="1" smtClean="0"/>
+              <a:rPr lang="en-IN" dirty="0" err="1"/>
               <a:t>printf</a:t>
             </a:r>
             <a:r>
-              <a:rPr lang="en-IN" dirty="0" smtClean="0"/>
+              <a:rPr lang="en-IN" dirty="0"/>
               <a:t>("Sum %d",</a:t>
             </a:r>
             <a:r>
-              <a:rPr lang="en-IN" dirty="0" err="1" smtClean="0"/>
+              <a:rPr lang="en-IN" dirty="0" err="1"/>
               <a:t>a+b</a:t>
             </a:r>
             <a:r>
-              <a:rPr lang="en-IN" dirty="0" smtClean="0"/>
+              <a:rPr lang="en-IN" dirty="0"/>
               <a:t>);</a:t>
             </a:r>
           </a:p>
@@ -6598,7 +6622,7 @@
               <a:buNone/>
             </a:pPr>
             <a:r>
-              <a:rPr lang="en-IN" dirty="0" smtClean="0">
+              <a:rPr lang="en-IN" dirty="0">
                 <a:solidFill>
                   <a:srgbClr val="FF0000"/>
                 </a:solidFill>
@@ -6611,7 +6635,7 @@
               <a:buNone/>
             </a:pPr>
             <a:r>
-              <a:rPr lang="en-IN" dirty="0" smtClean="0"/>
+              <a:rPr lang="en-IN" dirty="0"/>
               <a:t> if(a==b)</a:t>
             </a:r>
           </a:p>
@@ -6620,23 +6644,23 @@
               <a:buNone/>
             </a:pPr>
             <a:r>
-              <a:rPr lang="en-IN" dirty="0" smtClean="0"/>
+              <a:rPr lang="en-IN" dirty="0"/>
               <a:t>  </a:t>
             </a:r>
             <a:r>
-              <a:rPr lang="en-IN" dirty="0" err="1" smtClean="0"/>
+              <a:rPr lang="en-IN" dirty="0" err="1"/>
               <a:t>printf</a:t>
             </a:r>
             <a:r>
-              <a:rPr lang="en-IN" dirty="0" smtClean="0"/>
+              <a:rPr lang="en-IN" dirty="0"/>
               <a:t>("</a:t>
             </a:r>
             <a:r>
-              <a:rPr lang="en-IN" dirty="0" err="1" smtClean="0"/>
+              <a:rPr lang="en-IN" dirty="0" err="1"/>
               <a:t>Eqauls</a:t>
             </a:r>
             <a:r>
-              <a:rPr lang="en-IN" dirty="0" smtClean="0"/>
+              <a:rPr lang="en-IN" dirty="0"/>
               <a:t>");</a:t>
             </a:r>
           </a:p>
@@ -6645,7 +6669,7 @@
               <a:buNone/>
             </a:pPr>
             <a:r>
-              <a:rPr lang="en-IN" dirty="0" smtClean="0"/>
+              <a:rPr lang="en-IN" dirty="0"/>
               <a:t> else if(a&gt;b)</a:t>
             </a:r>
           </a:p>
@@ -6654,23 +6678,23 @@
               <a:buNone/>
             </a:pPr>
             <a:r>
-              <a:rPr lang="en-IN" dirty="0" smtClean="0"/>
+              <a:rPr lang="en-IN" dirty="0"/>
               <a:t>  </a:t>
             </a:r>
             <a:r>
-              <a:rPr lang="en-IN" dirty="0" err="1" smtClean="0"/>
+              <a:rPr lang="en-IN" dirty="0" err="1"/>
               <a:t>printf</a:t>
             </a:r>
             <a:r>
-              <a:rPr lang="en-IN" dirty="0" smtClean="0"/>
+              <a:rPr lang="en-IN" dirty="0"/>
               <a:t>("Biggest number %</a:t>
             </a:r>
             <a:r>
-              <a:rPr lang="en-IN" dirty="0" err="1" smtClean="0"/>
+              <a:rPr lang="en-IN" dirty="0" err="1"/>
               <a:t>d",a</a:t>
             </a:r>
             <a:r>
-              <a:rPr lang="en-IN" dirty="0" smtClean="0"/>
+              <a:rPr lang="en-IN" dirty="0"/>
               <a:t>);</a:t>
             </a:r>
           </a:p>
@@ -6679,7 +6703,7 @@
               <a:buNone/>
             </a:pPr>
             <a:r>
-              <a:rPr lang="en-IN" dirty="0" smtClean="0"/>
+              <a:rPr lang="en-IN" dirty="0"/>
               <a:t> else</a:t>
             </a:r>
           </a:p>
@@ -6688,23 +6712,23 @@
               <a:buNone/>
             </a:pPr>
             <a:r>
-              <a:rPr lang="en-IN" dirty="0" smtClean="0"/>
+              <a:rPr lang="en-IN" dirty="0"/>
               <a:t>  </a:t>
             </a:r>
             <a:r>
-              <a:rPr lang="en-IN" dirty="0" err="1" smtClean="0"/>
+              <a:rPr lang="en-IN" dirty="0" err="1"/>
               <a:t>printf</a:t>
             </a:r>
             <a:r>
-              <a:rPr lang="en-IN" dirty="0" smtClean="0"/>
+              <a:rPr lang="en-IN" dirty="0"/>
               <a:t>("Biggest number %</a:t>
             </a:r>
             <a:r>
-              <a:rPr lang="en-IN" dirty="0" err="1" smtClean="0"/>
+              <a:rPr lang="en-IN" dirty="0" err="1"/>
               <a:t>d",b</a:t>
             </a:r>
             <a:r>
-              <a:rPr lang="en-IN" dirty="0" smtClean="0"/>
+              <a:rPr lang="en-IN" dirty="0"/>
               <a:t>);</a:t>
             </a:r>
           </a:p>
@@ -6713,7 +6737,7 @@
               <a:buNone/>
             </a:pPr>
             <a:r>
-              <a:rPr lang="en-IN" dirty="0" smtClean="0">
+              <a:rPr lang="en-IN" dirty="0">
                 <a:solidFill>
                   <a:srgbClr val="FF0000"/>
                 </a:solidFill>
@@ -6721,14 +6745,14 @@
               <a:t>#</a:t>
             </a:r>
             <a:r>
-              <a:rPr lang="en-IN" dirty="0" err="1" smtClean="0">
+              <a:rPr lang="en-IN" dirty="0" err="1">
                 <a:solidFill>
                   <a:srgbClr val="FF0000"/>
                 </a:solidFill>
               </a:rPr>
               <a:t>endif</a:t>
             </a:r>
-            <a:endParaRPr lang="en-IN" dirty="0" smtClean="0">
+            <a:endParaRPr lang="en-IN" dirty="0">
               <a:solidFill>
                 <a:srgbClr val="FF0000"/>
               </a:solidFill>
@@ -6739,7 +6763,7 @@
               <a:buNone/>
             </a:pPr>
             <a:r>
-              <a:rPr lang="en-IN" dirty="0" smtClean="0"/>
+              <a:rPr lang="en-IN" dirty="0"/>
               <a:t>return 0;</a:t>
             </a:r>
           </a:p>
@@ -6748,10 +6772,9 @@
               <a:buNone/>
             </a:pPr>
             <a:r>
-              <a:rPr lang="en-IN" dirty="0" smtClean="0"/>
+              <a:rPr lang="en-IN" dirty="0"/>
               <a:t>}</a:t>
             </a:r>
-            <a:endParaRPr lang="en-IN" dirty="0"/>
           </a:p>
         </p:txBody>
       </p:sp>
@@ -6776,15 +6799,15 @@
               <a:buNone/>
             </a:pPr>
             <a:r>
-              <a:rPr lang="en-IN" dirty="0" smtClean="0"/>
+              <a:rPr lang="en-IN" dirty="0"/>
               <a:t>#include &lt;</a:t>
             </a:r>
             <a:r>
-              <a:rPr lang="en-IN" dirty="0" err="1" smtClean="0"/>
+              <a:rPr lang="en-IN" dirty="0" err="1"/>
               <a:t>stdio.h</a:t>
             </a:r>
             <a:r>
-              <a:rPr lang="en-IN" dirty="0" smtClean="0"/>
+              <a:rPr lang="en-IN" dirty="0"/>
               <a:t>&gt;</a:t>
             </a:r>
           </a:p>
@@ -6793,7 +6816,7 @@
               <a:buNone/>
             </a:pPr>
             <a:r>
-              <a:rPr lang="en-IN" dirty="0" smtClean="0"/>
+              <a:rPr lang="en-IN" dirty="0"/>
               <a:t>#define A 40</a:t>
             </a:r>
           </a:p>
@@ -6802,7 +6825,7 @@
               <a:buNone/>
             </a:pPr>
             <a:r>
-              <a:rPr lang="en-IN" dirty="0" smtClean="0"/>
+              <a:rPr lang="en-IN" dirty="0"/>
               <a:t>#define B 20</a:t>
             </a:r>
           </a:p>
@@ -6811,11 +6834,11 @@
               <a:buNone/>
             </a:pPr>
             <a:r>
-              <a:rPr lang="en-IN" dirty="0" err="1" smtClean="0"/>
+              <a:rPr lang="en-IN" dirty="0" err="1"/>
               <a:t>int</a:t>
             </a:r>
             <a:r>
-              <a:rPr lang="en-IN" dirty="0" smtClean="0"/>
+              <a:rPr lang="en-IN" dirty="0"/>
               <a:t> main()</a:t>
             </a:r>
           </a:p>
@@ -6824,7 +6847,7 @@
               <a:buNone/>
             </a:pPr>
             <a:r>
-              <a:rPr lang="en-IN" dirty="0" smtClean="0"/>
+              <a:rPr lang="en-IN" dirty="0"/>
               <a:t>{</a:t>
             </a:r>
           </a:p>
@@ -6833,7 +6856,7 @@
               <a:buNone/>
             </a:pPr>
             <a:r>
-              <a:rPr lang="en-IN" dirty="0" smtClean="0">
+              <a:rPr lang="en-IN" dirty="0">
                 <a:solidFill>
                   <a:srgbClr val="FF0000"/>
                 </a:solidFill>
@@ -6846,15 +6869,15 @@
               <a:buNone/>
             </a:pPr>
             <a:r>
-              <a:rPr lang="en-IN" dirty="0" smtClean="0"/>
+              <a:rPr lang="en-IN" dirty="0"/>
               <a:t> </a:t>
             </a:r>
             <a:r>
-              <a:rPr lang="en-IN" dirty="0" err="1" smtClean="0"/>
+              <a:rPr lang="en-IN" dirty="0" err="1"/>
               <a:t>printf</a:t>
             </a:r>
             <a:r>
-              <a:rPr lang="en-IN" dirty="0" smtClean="0"/>
+              <a:rPr lang="en-IN" dirty="0"/>
               <a:t>("A &amp; B");</a:t>
             </a:r>
           </a:p>
@@ -6863,7 +6886,7 @@
               <a:buNone/>
             </a:pPr>
             <a:r>
-              <a:rPr lang="en-IN" dirty="0" smtClean="0">
+              <a:rPr lang="en-IN" dirty="0">
                 <a:solidFill>
                   <a:srgbClr val="FF0000"/>
                 </a:solidFill>
@@ -6871,7 +6894,7 @@
               <a:t>#</a:t>
             </a:r>
             <a:r>
-              <a:rPr lang="en-IN" dirty="0" err="1" smtClean="0">
+              <a:rPr lang="en-IN" dirty="0" err="1">
                 <a:solidFill>
                   <a:srgbClr val="FF0000"/>
                 </a:solidFill>
@@ -6879,7 +6902,7 @@
               <a:t>elif</a:t>
             </a:r>
             <a:r>
-              <a:rPr lang="en-IN" dirty="0" smtClean="0">
+              <a:rPr lang="en-IN" dirty="0">
                 <a:solidFill>
                   <a:srgbClr val="FF0000"/>
                 </a:solidFill>
@@ -6892,15 +6915,15 @@
               <a:buNone/>
             </a:pPr>
             <a:r>
-              <a:rPr lang="en-IN" dirty="0" smtClean="0"/>
+              <a:rPr lang="en-IN" dirty="0"/>
               <a:t> </a:t>
             </a:r>
             <a:r>
-              <a:rPr lang="en-IN" dirty="0" err="1" smtClean="0"/>
+              <a:rPr lang="en-IN" dirty="0" err="1"/>
               <a:t>printf</a:t>
             </a:r>
             <a:r>
-              <a:rPr lang="en-IN" dirty="0" smtClean="0"/>
+              <a:rPr lang="en-IN" dirty="0"/>
               <a:t>("A");</a:t>
             </a:r>
           </a:p>
@@ -6909,7 +6932,7 @@
               <a:buNone/>
             </a:pPr>
             <a:r>
-              <a:rPr lang="en-IN" dirty="0" smtClean="0">
+              <a:rPr lang="en-IN" dirty="0">
                 <a:solidFill>
                   <a:srgbClr val="FF0000"/>
                 </a:solidFill>
@@ -6922,15 +6945,15 @@
               <a:buNone/>
             </a:pPr>
             <a:r>
-              <a:rPr lang="en-IN" dirty="0" smtClean="0"/>
+              <a:rPr lang="en-IN" dirty="0"/>
               <a:t> </a:t>
             </a:r>
             <a:r>
-              <a:rPr lang="en-IN" dirty="0" err="1" smtClean="0"/>
+              <a:rPr lang="en-IN" dirty="0" err="1"/>
               <a:t>printf</a:t>
             </a:r>
             <a:r>
-              <a:rPr lang="en-IN" dirty="0" smtClean="0"/>
+              <a:rPr lang="en-IN" dirty="0"/>
               <a:t>("B");</a:t>
             </a:r>
           </a:p>
@@ -6939,7 +6962,7 @@
               <a:buNone/>
             </a:pPr>
             <a:r>
-              <a:rPr lang="en-IN" dirty="0" smtClean="0">
+              <a:rPr lang="en-IN" dirty="0">
                 <a:solidFill>
                   <a:srgbClr val="FF0000"/>
                 </a:solidFill>
@@ -6947,14 +6970,14 @@
               <a:t>#</a:t>
             </a:r>
             <a:r>
-              <a:rPr lang="en-IN" dirty="0" err="1" smtClean="0">
+              <a:rPr lang="en-IN" dirty="0" err="1">
                 <a:solidFill>
                   <a:srgbClr val="FF0000"/>
                 </a:solidFill>
               </a:rPr>
               <a:t>endif</a:t>
             </a:r>
-            <a:endParaRPr lang="en-IN" dirty="0" smtClean="0">
+            <a:endParaRPr lang="en-IN" dirty="0">
               <a:solidFill>
                 <a:srgbClr val="FF0000"/>
               </a:solidFill>
@@ -6965,7 +6988,7 @@
               <a:buNone/>
             </a:pPr>
             <a:r>
-              <a:rPr lang="en-IN" dirty="0" smtClean="0"/>
+              <a:rPr lang="en-IN" dirty="0"/>
               <a:t>return 0;</a:t>
             </a:r>
           </a:p>
@@ -6974,7 +6997,7 @@
               <a:buNone/>
             </a:pPr>
             <a:r>
-              <a:rPr lang="en-IN" dirty="0" smtClean="0"/>
+              <a:rPr lang="en-IN" dirty="0"/>
               <a:t>}</a:t>
             </a:r>
           </a:p>
@@ -7034,7 +7057,7 @@
           <a:lstStyle/>
           <a:p>
             <a:r>
-              <a:rPr lang="en-US" dirty="0" smtClean="0"/>
+              <a:rPr lang="en-US" dirty="0"/>
               <a:t>Conditional compilation</a:t>
             </a:r>
             <a:endParaRPr lang="en-IN" dirty="0"/>
@@ -7068,15 +7091,15 @@
               <a:buNone/>
             </a:pPr>
             <a:r>
-              <a:rPr lang="en-IN" dirty="0" smtClean="0"/>
+              <a:rPr lang="en-IN" dirty="0"/>
               <a:t>#include &lt;</a:t>
             </a:r>
             <a:r>
-              <a:rPr lang="en-IN" dirty="0" err="1" smtClean="0"/>
+              <a:rPr lang="en-IN" dirty="0" err="1"/>
               <a:t>stdio.h</a:t>
             </a:r>
             <a:r>
-              <a:rPr lang="en-IN" dirty="0" smtClean="0"/>
+              <a:rPr lang="en-IN" dirty="0"/>
               <a:t>&gt;</a:t>
             </a:r>
           </a:p>
@@ -7085,7 +7108,7 @@
               <a:buNone/>
             </a:pPr>
             <a:r>
-              <a:rPr lang="en-IN" dirty="0" smtClean="0"/>
+              <a:rPr lang="en-IN" dirty="0"/>
               <a:t>#define MAX 30</a:t>
             </a:r>
           </a:p>
@@ -7094,11 +7117,11 @@
               <a:buNone/>
             </a:pPr>
             <a:r>
-              <a:rPr lang="en-IN" dirty="0" err="1" smtClean="0"/>
+              <a:rPr lang="en-IN" dirty="0" err="1"/>
               <a:t>int</a:t>
             </a:r>
             <a:r>
-              <a:rPr lang="en-IN" dirty="0" smtClean="0"/>
+              <a:rPr lang="en-IN" dirty="0"/>
               <a:t> main()</a:t>
             </a:r>
           </a:p>
@@ -7107,7 +7130,7 @@
               <a:buNone/>
             </a:pPr>
             <a:r>
-              <a:rPr lang="en-IN" dirty="0" smtClean="0"/>
+              <a:rPr lang="en-IN" dirty="0"/>
               <a:t>{</a:t>
             </a:r>
           </a:p>
@@ -7116,7 +7139,7 @@
               <a:buNone/>
             </a:pPr>
             <a:r>
-              <a:rPr lang="en-IN" dirty="0" smtClean="0">
+              <a:rPr lang="en-IN" dirty="0">
                 <a:solidFill>
                   <a:srgbClr val="FF0000"/>
                 </a:solidFill>
@@ -7129,23 +7152,23 @@
               <a:buNone/>
             </a:pPr>
             <a:r>
-              <a:rPr lang="en-IN" dirty="0" smtClean="0"/>
+              <a:rPr lang="en-IN" dirty="0"/>
               <a:t> </a:t>
             </a:r>
             <a:r>
-              <a:rPr lang="en-IN" dirty="0" err="1" smtClean="0"/>
+              <a:rPr lang="en-IN" dirty="0" err="1"/>
               <a:t>printf</a:t>
             </a:r>
             <a:r>
-              <a:rPr lang="en-IN" dirty="0" smtClean="0"/>
+              <a:rPr lang="en-IN" dirty="0"/>
               <a:t>("%</a:t>
             </a:r>
             <a:r>
-              <a:rPr lang="en-IN" dirty="0" err="1" smtClean="0"/>
+              <a:rPr lang="en-IN" dirty="0" err="1"/>
               <a:t>d",MAX</a:t>
             </a:r>
             <a:r>
-              <a:rPr lang="en-IN" dirty="0" smtClean="0"/>
+              <a:rPr lang="en-IN" dirty="0"/>
               <a:t>);</a:t>
             </a:r>
           </a:p>
@@ -7154,7 +7177,7 @@
               <a:buNone/>
             </a:pPr>
             <a:r>
-              <a:rPr lang="en-IN" dirty="0" smtClean="0">
+              <a:rPr lang="en-IN" dirty="0">
                 <a:solidFill>
                   <a:srgbClr val="FF0000"/>
                 </a:solidFill>
@@ -7167,15 +7190,15 @@
               <a:buNone/>
             </a:pPr>
             <a:r>
-              <a:rPr lang="en-IN" dirty="0" smtClean="0"/>
+              <a:rPr lang="en-IN" dirty="0"/>
               <a:t> </a:t>
             </a:r>
             <a:r>
-              <a:rPr lang="en-IN" dirty="0" err="1" smtClean="0"/>
+              <a:rPr lang="en-IN" dirty="0" err="1"/>
               <a:t>printf</a:t>
             </a:r>
             <a:r>
-              <a:rPr lang="en-IN" dirty="0" smtClean="0"/>
+              <a:rPr lang="en-IN" dirty="0"/>
               <a:t>("MAX not defined");</a:t>
             </a:r>
           </a:p>
@@ -7184,7 +7207,7 @@
               <a:buNone/>
             </a:pPr>
             <a:r>
-              <a:rPr lang="en-IN" dirty="0" smtClean="0">
+              <a:rPr lang="en-IN" dirty="0">
                 <a:solidFill>
                   <a:srgbClr val="FF0000"/>
                 </a:solidFill>
@@ -7192,14 +7215,14 @@
               <a:t>#</a:t>
             </a:r>
             <a:r>
-              <a:rPr lang="en-IN" dirty="0" err="1" smtClean="0">
+              <a:rPr lang="en-IN" dirty="0" err="1">
                 <a:solidFill>
                   <a:srgbClr val="FF0000"/>
                 </a:solidFill>
               </a:rPr>
               <a:t>endif</a:t>
             </a:r>
-            <a:endParaRPr lang="en-IN" dirty="0" smtClean="0">
+            <a:endParaRPr lang="en-IN" dirty="0">
               <a:solidFill>
                 <a:srgbClr val="FF0000"/>
               </a:solidFill>
@@ -7210,15 +7233,15 @@
               <a:buNone/>
             </a:pPr>
             <a:r>
-              <a:rPr lang="en-IN" dirty="0" smtClean="0"/>
+              <a:rPr lang="en-IN" dirty="0"/>
               <a:t> </a:t>
             </a:r>
             <a:r>
-              <a:rPr lang="en-IN" dirty="0" err="1" smtClean="0"/>
+              <a:rPr lang="en-IN" dirty="0" err="1"/>
               <a:t>printf</a:t>
             </a:r>
             <a:r>
-              <a:rPr lang="en-IN" dirty="0" smtClean="0"/>
+              <a:rPr lang="en-IN" dirty="0"/>
               <a:t>("\n");</a:t>
             </a:r>
           </a:p>
@@ -7227,7 +7250,7 @@
               <a:buNone/>
             </a:pPr>
             <a:r>
-              <a:rPr lang="en-IN" dirty="0" smtClean="0">
+              <a:rPr lang="en-IN" dirty="0">
                 <a:solidFill>
                   <a:srgbClr val="FF0000"/>
                 </a:solidFill>
@@ -7240,15 +7263,15 @@
               <a:buNone/>
             </a:pPr>
             <a:r>
-              <a:rPr lang="en-IN" dirty="0" smtClean="0"/>
+              <a:rPr lang="en-IN" dirty="0"/>
               <a:t> </a:t>
             </a:r>
             <a:r>
-              <a:rPr lang="en-IN" dirty="0" err="1" smtClean="0"/>
+              <a:rPr lang="en-IN" dirty="0" err="1"/>
               <a:t>printf</a:t>
             </a:r>
             <a:r>
-              <a:rPr lang="en-IN" dirty="0" smtClean="0"/>
+              <a:rPr lang="en-IN" dirty="0"/>
               <a:t>("Min not defined");</a:t>
             </a:r>
           </a:p>
@@ -7257,7 +7280,7 @@
               <a:buNone/>
             </a:pPr>
             <a:r>
-              <a:rPr lang="en-IN" dirty="0" smtClean="0">
+              <a:rPr lang="en-IN" dirty="0">
                 <a:solidFill>
                   <a:srgbClr val="FF0000"/>
                 </a:solidFill>
@@ -7270,23 +7293,23 @@
               <a:buNone/>
             </a:pPr>
             <a:r>
-              <a:rPr lang="en-IN" dirty="0" smtClean="0"/>
+              <a:rPr lang="en-IN" dirty="0"/>
               <a:t> </a:t>
             </a:r>
             <a:r>
-              <a:rPr lang="en-IN" dirty="0" err="1" smtClean="0"/>
+              <a:rPr lang="en-IN" dirty="0" err="1"/>
               <a:t>printf</a:t>
             </a:r>
             <a:r>
-              <a:rPr lang="en-IN" dirty="0" smtClean="0"/>
+              <a:rPr lang="en-IN" dirty="0"/>
               <a:t>("%</a:t>
             </a:r>
             <a:r>
-              <a:rPr lang="en-IN" dirty="0" err="1" smtClean="0"/>
+              <a:rPr lang="en-IN" dirty="0" err="1"/>
               <a:t>d",MIN</a:t>
             </a:r>
             <a:r>
-              <a:rPr lang="en-IN" dirty="0" smtClean="0"/>
+              <a:rPr lang="en-IN" dirty="0"/>
               <a:t>);</a:t>
             </a:r>
           </a:p>
@@ -7295,7 +7318,7 @@
               <a:buNone/>
             </a:pPr>
             <a:r>
-              <a:rPr lang="en-IN" dirty="0" smtClean="0">
+              <a:rPr lang="en-IN" dirty="0">
                 <a:solidFill>
                   <a:srgbClr val="FF0000"/>
                 </a:solidFill>
@@ -7303,14 +7326,14 @@
               <a:t>#</a:t>
             </a:r>
             <a:r>
-              <a:rPr lang="en-IN" dirty="0" err="1" smtClean="0">
+              <a:rPr lang="en-IN" dirty="0" err="1">
                 <a:solidFill>
                   <a:srgbClr val="FF0000"/>
                 </a:solidFill>
               </a:rPr>
               <a:t>endif</a:t>
             </a:r>
-            <a:endParaRPr lang="en-IN" dirty="0" smtClean="0">
+            <a:endParaRPr lang="en-IN" dirty="0">
               <a:solidFill>
                 <a:srgbClr val="FF0000"/>
               </a:solidFill>
@@ -7321,7 +7344,7 @@
               <a:buNone/>
             </a:pPr>
             <a:r>
-              <a:rPr lang="en-IN" dirty="0" smtClean="0"/>
+              <a:rPr lang="en-IN" dirty="0"/>
               <a:t>return 0;</a:t>
             </a:r>
           </a:p>
@@ -7330,10 +7353,9 @@
               <a:buNone/>
             </a:pPr>
             <a:r>
-              <a:rPr lang="en-IN" dirty="0" smtClean="0"/>
+              <a:rPr lang="en-IN" dirty="0"/>
               <a:t>}</a:t>
             </a:r>
-            <a:endParaRPr lang="en-IN" dirty="0"/>
           </a:p>
         </p:txBody>
       </p:sp>
@@ -7364,15 +7386,15 @@
               <a:buNone/>
             </a:pPr>
             <a:r>
-              <a:rPr lang="en-IN" dirty="0" smtClean="0"/>
+              <a:rPr lang="en-IN" dirty="0"/>
               <a:t>#include &lt;</a:t>
             </a:r>
             <a:r>
-              <a:rPr lang="en-IN" dirty="0" err="1" smtClean="0"/>
+              <a:rPr lang="en-IN" dirty="0" err="1"/>
               <a:t>stdio.h</a:t>
             </a:r>
             <a:r>
-              <a:rPr lang="en-IN" dirty="0" smtClean="0"/>
+              <a:rPr lang="en-IN" dirty="0"/>
               <a:t>&gt;</a:t>
             </a:r>
           </a:p>
@@ -7381,7 +7403,7 @@
               <a:buNone/>
             </a:pPr>
             <a:r>
-              <a:rPr lang="en-IN" dirty="0" smtClean="0"/>
+              <a:rPr lang="en-IN" dirty="0"/>
               <a:t>#define MAX 20</a:t>
             </a:r>
           </a:p>
@@ -7390,11 +7412,11 @@
               <a:buNone/>
             </a:pPr>
             <a:r>
-              <a:rPr lang="en-IN" dirty="0" err="1" smtClean="0"/>
+              <a:rPr lang="en-IN" dirty="0" err="1"/>
               <a:t>int</a:t>
             </a:r>
             <a:r>
-              <a:rPr lang="en-IN" dirty="0" smtClean="0"/>
+              <a:rPr lang="en-IN" dirty="0"/>
               <a:t> main()</a:t>
             </a:r>
           </a:p>
@@ -7403,7 +7425,7 @@
               <a:buNone/>
             </a:pPr>
             <a:r>
-              <a:rPr lang="en-IN" dirty="0" smtClean="0"/>
+              <a:rPr lang="en-IN" dirty="0"/>
               <a:t>{</a:t>
             </a:r>
           </a:p>
@@ -7412,7 +7434,7 @@
               <a:buNone/>
             </a:pPr>
             <a:r>
-              <a:rPr lang="en-IN" dirty="0" smtClean="0">
+              <a:rPr lang="en-IN" dirty="0">
                 <a:solidFill>
                   <a:srgbClr val="FF0000"/>
                 </a:solidFill>
@@ -7420,7 +7442,7 @@
               <a:t>#</a:t>
             </a:r>
             <a:r>
-              <a:rPr lang="en-IN" dirty="0" err="1" smtClean="0">
+              <a:rPr lang="en-IN" dirty="0" err="1">
                 <a:solidFill>
                   <a:srgbClr val="FF0000"/>
                 </a:solidFill>
@@ -7428,7 +7450,7 @@
               <a:t>ifdef</a:t>
             </a:r>
             <a:r>
-              <a:rPr lang="en-IN" dirty="0" smtClean="0">
+              <a:rPr lang="en-IN" dirty="0">
                 <a:solidFill>
                   <a:srgbClr val="FF0000"/>
                 </a:solidFill>
@@ -7441,23 +7463,23 @@
               <a:buNone/>
             </a:pPr>
             <a:r>
-              <a:rPr lang="en-IN" dirty="0" smtClean="0"/>
+              <a:rPr lang="en-IN" dirty="0"/>
               <a:t> </a:t>
             </a:r>
             <a:r>
-              <a:rPr lang="en-IN" dirty="0" err="1" smtClean="0"/>
+              <a:rPr lang="en-IN" dirty="0" err="1"/>
               <a:t>printf</a:t>
             </a:r>
             <a:r>
-              <a:rPr lang="en-IN" dirty="0" smtClean="0"/>
+              <a:rPr lang="en-IN" dirty="0"/>
               <a:t>("%</a:t>
             </a:r>
             <a:r>
-              <a:rPr lang="en-IN" dirty="0" err="1" smtClean="0"/>
+              <a:rPr lang="en-IN" dirty="0" err="1"/>
               <a:t>d",MAX</a:t>
             </a:r>
             <a:r>
-              <a:rPr lang="en-IN" dirty="0" smtClean="0"/>
+              <a:rPr lang="en-IN" dirty="0"/>
               <a:t>);</a:t>
             </a:r>
           </a:p>
@@ -7466,7 +7488,7 @@
               <a:buNone/>
             </a:pPr>
             <a:r>
-              <a:rPr lang="en-IN" dirty="0" smtClean="0">
+              <a:rPr lang="en-IN" dirty="0">
                 <a:solidFill>
                   <a:srgbClr val="FF0000"/>
                 </a:solidFill>
@@ -7479,15 +7501,15 @@
               <a:buNone/>
             </a:pPr>
             <a:r>
-              <a:rPr lang="en-IN" dirty="0" smtClean="0"/>
+              <a:rPr lang="en-IN" dirty="0"/>
               <a:t> </a:t>
             </a:r>
             <a:r>
-              <a:rPr lang="en-IN" dirty="0" err="1" smtClean="0"/>
+              <a:rPr lang="en-IN" dirty="0" err="1"/>
               <a:t>printf</a:t>
             </a:r>
             <a:r>
-              <a:rPr lang="en-IN" dirty="0" smtClean="0"/>
+              <a:rPr lang="en-IN" dirty="0"/>
               <a:t>("MAX not defined");</a:t>
             </a:r>
           </a:p>
@@ -7496,7 +7518,7 @@
               <a:buNone/>
             </a:pPr>
             <a:r>
-              <a:rPr lang="en-IN" dirty="0" smtClean="0">
+              <a:rPr lang="en-IN" dirty="0">
                 <a:solidFill>
                   <a:srgbClr val="FF0000"/>
                 </a:solidFill>
@@ -7504,14 +7526,14 @@
               <a:t>#</a:t>
             </a:r>
             <a:r>
-              <a:rPr lang="en-IN" dirty="0" err="1" smtClean="0">
+              <a:rPr lang="en-IN" dirty="0" err="1">
                 <a:solidFill>
                   <a:srgbClr val="FF0000"/>
                 </a:solidFill>
               </a:rPr>
               <a:t>endif</a:t>
             </a:r>
-            <a:endParaRPr lang="en-IN" dirty="0" smtClean="0">
+            <a:endParaRPr lang="en-IN" dirty="0">
               <a:solidFill>
                 <a:srgbClr val="FF0000"/>
               </a:solidFill>
@@ -7522,15 +7544,15 @@
               <a:buNone/>
             </a:pPr>
             <a:r>
-              <a:rPr lang="en-IN" dirty="0" smtClean="0"/>
+              <a:rPr lang="en-IN" dirty="0"/>
               <a:t> </a:t>
             </a:r>
             <a:r>
-              <a:rPr lang="en-IN" dirty="0" err="1" smtClean="0"/>
+              <a:rPr lang="en-IN" dirty="0" err="1"/>
               <a:t>printf</a:t>
             </a:r>
             <a:r>
-              <a:rPr lang="en-IN" dirty="0" smtClean="0"/>
+              <a:rPr lang="en-IN" dirty="0"/>
               <a:t>("\n");</a:t>
             </a:r>
           </a:p>
@@ -7539,7 +7561,7 @@
               <a:buNone/>
             </a:pPr>
             <a:r>
-              <a:rPr lang="en-IN" dirty="0" smtClean="0">
+              <a:rPr lang="en-IN" dirty="0">
                 <a:solidFill>
                   <a:srgbClr val="FF0000"/>
                 </a:solidFill>
@@ -7547,7 +7569,7 @@
               <a:t>#</a:t>
             </a:r>
             <a:r>
-              <a:rPr lang="en-IN" dirty="0" err="1" smtClean="0">
+              <a:rPr lang="en-IN" dirty="0" err="1">
                 <a:solidFill>
                   <a:srgbClr val="FF0000"/>
                 </a:solidFill>
@@ -7555,7 +7577,7 @@
               <a:t>ifndef</a:t>
             </a:r>
             <a:r>
-              <a:rPr lang="en-IN" dirty="0" smtClean="0">
+              <a:rPr lang="en-IN" dirty="0">
                 <a:solidFill>
                   <a:srgbClr val="FF0000"/>
                 </a:solidFill>
@@ -7568,15 +7590,15 @@
               <a:buNone/>
             </a:pPr>
             <a:r>
-              <a:rPr lang="en-IN" dirty="0" smtClean="0"/>
+              <a:rPr lang="en-IN" dirty="0"/>
               <a:t> </a:t>
             </a:r>
             <a:r>
-              <a:rPr lang="en-IN" dirty="0" err="1" smtClean="0"/>
+              <a:rPr lang="en-IN" dirty="0" err="1"/>
               <a:t>printf</a:t>
             </a:r>
             <a:r>
-              <a:rPr lang="en-IN" dirty="0" smtClean="0"/>
+              <a:rPr lang="en-IN" dirty="0"/>
               <a:t>("MIN not defined");</a:t>
             </a:r>
           </a:p>
@@ -7585,7 +7607,7 @@
               <a:buNone/>
             </a:pPr>
             <a:r>
-              <a:rPr lang="en-IN" dirty="0" smtClean="0">
+              <a:rPr lang="en-IN" dirty="0">
                 <a:solidFill>
                   <a:srgbClr val="FF0000"/>
                 </a:solidFill>
@@ -7598,23 +7620,23 @@
               <a:buNone/>
             </a:pPr>
             <a:r>
-              <a:rPr lang="en-IN" dirty="0" smtClean="0"/>
+              <a:rPr lang="en-IN" dirty="0"/>
               <a:t> </a:t>
             </a:r>
             <a:r>
-              <a:rPr lang="en-IN" dirty="0" err="1" smtClean="0"/>
+              <a:rPr lang="en-IN" dirty="0" err="1"/>
               <a:t>printf</a:t>
             </a:r>
             <a:r>
-              <a:rPr lang="en-IN" dirty="0" smtClean="0"/>
+              <a:rPr lang="en-IN" dirty="0"/>
               <a:t>("%</a:t>
             </a:r>
             <a:r>
-              <a:rPr lang="en-IN" dirty="0" err="1" smtClean="0"/>
+              <a:rPr lang="en-IN" dirty="0" err="1"/>
               <a:t>d",MIN</a:t>
             </a:r>
             <a:r>
-              <a:rPr lang="en-IN" dirty="0" smtClean="0"/>
+              <a:rPr lang="en-IN" dirty="0"/>
               <a:t>);</a:t>
             </a:r>
           </a:p>
@@ -7623,7 +7645,7 @@
               <a:buNone/>
             </a:pPr>
             <a:r>
-              <a:rPr lang="en-IN" dirty="0" smtClean="0">
+              <a:rPr lang="en-IN" dirty="0">
                 <a:solidFill>
                   <a:srgbClr val="FF0000"/>
                 </a:solidFill>
@@ -7631,14 +7653,14 @@
               <a:t>#</a:t>
             </a:r>
             <a:r>
-              <a:rPr lang="en-IN" dirty="0" err="1" smtClean="0">
+              <a:rPr lang="en-IN" dirty="0" err="1">
                 <a:solidFill>
                   <a:srgbClr val="FF0000"/>
                 </a:solidFill>
               </a:rPr>
               <a:t>endif</a:t>
             </a:r>
-            <a:endParaRPr lang="en-IN" dirty="0" smtClean="0">
+            <a:endParaRPr lang="en-IN" dirty="0">
               <a:solidFill>
                 <a:srgbClr val="FF0000"/>
               </a:solidFill>
@@ -7649,7 +7671,7 @@
               <a:buNone/>
             </a:pPr>
             <a:r>
-              <a:rPr lang="en-IN" dirty="0" smtClean="0"/>
+              <a:rPr lang="en-IN" dirty="0"/>
               <a:t>return 0;</a:t>
             </a:r>
           </a:p>
@@ -7658,7 +7680,7 @@
               <a:buNone/>
             </a:pPr>
             <a:r>
-              <a:rPr lang="en-IN" dirty="0" smtClean="0"/>
+              <a:rPr lang="en-IN" dirty="0"/>
               <a:t>}</a:t>
             </a:r>
           </a:p>
@@ -7713,7 +7735,7 @@
           <a:lstStyle/>
           <a:p>
             <a:r>
-              <a:rPr lang="en-US" dirty="0" smtClean="0"/>
+              <a:rPr lang="en-US" dirty="0"/>
               <a:t>Conditional compilation</a:t>
             </a:r>
             <a:endParaRPr lang="en-IN" dirty="0"/>
@@ -7747,15 +7769,15 @@
               <a:buNone/>
             </a:pPr>
             <a:r>
-              <a:rPr lang="en-IN" dirty="0" smtClean="0"/>
+              <a:rPr lang="en-IN" dirty="0"/>
               <a:t>#include&lt;</a:t>
             </a:r>
             <a:r>
-              <a:rPr lang="en-IN" dirty="0" err="1" smtClean="0"/>
+              <a:rPr lang="en-IN" dirty="0" err="1"/>
               <a:t>stdio.h</a:t>
             </a:r>
             <a:r>
-              <a:rPr lang="en-IN" dirty="0" smtClean="0"/>
+              <a:rPr lang="en-IN" dirty="0"/>
               <a:t>&gt;</a:t>
             </a:r>
           </a:p>
@@ -7764,7 +7786,7 @@
               <a:buNone/>
             </a:pPr>
             <a:r>
-              <a:rPr lang="en-IN" dirty="0" smtClean="0"/>
+              <a:rPr lang="en-IN" dirty="0"/>
               <a:t>#define NUM 10</a:t>
             </a:r>
           </a:p>
@@ -7773,7 +7795,7 @@
               <a:buNone/>
             </a:pPr>
             <a:r>
-              <a:rPr lang="en-IN" dirty="0" smtClean="0">
+              <a:rPr lang="en-IN" dirty="0">
                 <a:solidFill>
                   <a:srgbClr val="FF0000"/>
                 </a:solidFill>
@@ -7781,7 +7803,7 @@
               <a:t>#</a:t>
             </a:r>
             <a:r>
-              <a:rPr lang="en-IN" dirty="0" err="1" smtClean="0">
+              <a:rPr lang="en-IN" dirty="0" err="1">
                 <a:solidFill>
                   <a:srgbClr val="FF0000"/>
                 </a:solidFill>
@@ -7789,7 +7811,7 @@
               <a:t>ifdef</a:t>
             </a:r>
             <a:r>
-              <a:rPr lang="en-IN" dirty="0" smtClean="0">
+              <a:rPr lang="en-IN" dirty="0">
                 <a:solidFill>
                   <a:srgbClr val="FF0000"/>
                 </a:solidFill>
@@ -7802,7 +7824,7 @@
               <a:buNone/>
             </a:pPr>
             <a:r>
-              <a:rPr lang="en-IN" dirty="0" smtClean="0"/>
+              <a:rPr lang="en-IN" dirty="0"/>
               <a:t>      #define MAX 20</a:t>
             </a:r>
           </a:p>
@@ -7811,7 +7833,7 @@
               <a:buNone/>
             </a:pPr>
             <a:r>
-              <a:rPr lang="en-IN" dirty="0" smtClean="0">
+              <a:rPr lang="en-IN" dirty="0">
                 <a:solidFill>
                   <a:srgbClr val="FF0000"/>
                 </a:solidFill>
@@ -7819,14 +7841,14 @@
               <a:t>#</a:t>
             </a:r>
             <a:r>
-              <a:rPr lang="en-IN" dirty="0" err="1" smtClean="0">
+              <a:rPr lang="en-IN" dirty="0" err="1">
                 <a:solidFill>
                   <a:srgbClr val="FF0000"/>
                 </a:solidFill>
               </a:rPr>
               <a:t>endif</a:t>
             </a:r>
-            <a:endParaRPr lang="en-IN" dirty="0" smtClean="0">
+            <a:endParaRPr lang="en-IN" dirty="0">
               <a:solidFill>
                 <a:srgbClr val="FF0000"/>
               </a:solidFill>
@@ -7837,7 +7859,7 @@
               <a:buNone/>
             </a:pPr>
             <a:r>
-              <a:rPr lang="en-IN" dirty="0" smtClean="0"/>
+              <a:rPr lang="en-IN" dirty="0"/>
               <a:t>void main()</a:t>
             </a:r>
           </a:p>
@@ -7846,7 +7868,7 @@
               <a:buNone/>
             </a:pPr>
             <a:r>
-              <a:rPr lang="en-IN" dirty="0" smtClean="0"/>
+              <a:rPr lang="en-IN" dirty="0"/>
               <a:t>{</a:t>
             </a:r>
           </a:p>
@@ -7855,19 +7877,19 @@
               <a:buNone/>
             </a:pPr>
             <a:r>
-              <a:rPr lang="en-IN" dirty="0" err="1" smtClean="0"/>
+              <a:rPr lang="en-IN" dirty="0" err="1"/>
               <a:t>printf</a:t>
             </a:r>
             <a:r>
-              <a:rPr lang="en-IN" dirty="0" smtClean="0"/>
+              <a:rPr lang="en-IN" dirty="0"/>
               <a:t>("MAX number is : %</a:t>
             </a:r>
             <a:r>
-              <a:rPr lang="en-IN" dirty="0" err="1" smtClean="0"/>
+              <a:rPr lang="en-IN" dirty="0" err="1"/>
               <a:t>d",MAX</a:t>
             </a:r>
             <a:r>
-              <a:rPr lang="en-IN" dirty="0" smtClean="0"/>
+              <a:rPr lang="en-IN" dirty="0"/>
               <a:t>);</a:t>
             </a:r>
           </a:p>
@@ -7876,7 +7898,7 @@
               <a:buNone/>
             </a:pPr>
             <a:r>
-              <a:rPr lang="en-IN" dirty="0" smtClean="0"/>
+              <a:rPr lang="en-IN" dirty="0"/>
               <a:t>}</a:t>
             </a:r>
           </a:p>
@@ -7958,7 +7980,7 @@
               <a:t>#</a:t>
             </a:r>
             <a:r>
-              <a:rPr lang="en-IN" b="1" dirty="0" err="1" smtClean="0"/>
+              <a:rPr lang="en-IN" b="1" dirty="0" err="1"/>
               <a:t>undef</a:t>
             </a:r>
             <a:endParaRPr lang="en-IN" dirty="0"/>
@@ -7998,36 +8020,20 @@
             </a:r>
             <a:r>
               <a:rPr lang="en-US" dirty="0"/>
-              <a:t> a macro means to cancel its definition. This is done with </a:t>
-            </a:r>
-            <a:r>
-              <a:rPr lang="en-US" dirty="0" smtClean="0"/>
-              <a:t> the</a:t>
+              <a:t> a macro means to cancel its definition. This is done with  the #</a:t>
+            </a:r>
+            <a:r>
+              <a:rPr lang="en-US" dirty="0" err="1"/>
+              <a:t>undef</a:t>
             </a:r>
             <a:r>
               <a:rPr lang="en-US" dirty="0"/>
-              <a:t> </a:t>
-            </a:r>
-            <a:r>
-              <a:rPr lang="en-US" dirty="0" smtClean="0"/>
-              <a:t>#</a:t>
-            </a:r>
-            <a:r>
-              <a:rPr lang="en-US" dirty="0" err="1" smtClean="0"/>
-              <a:t>undef</a:t>
-            </a:r>
-            <a:r>
-              <a:rPr lang="en-US" dirty="0"/>
-              <a:t> directive</a:t>
-            </a:r>
-            <a:r>
-              <a:rPr lang="en-US" dirty="0" smtClean="0"/>
-              <a:t>.</a:t>
+              <a:t> directive.</a:t>
             </a:r>
           </a:p>
           <a:p>
             <a:pPr algn="just"/>
-            <a:endParaRPr lang="en-US" dirty="0" smtClean="0"/>
+            <a:endParaRPr lang="en-US" dirty="0"/>
           </a:p>
           <a:p>
             <a:r>
@@ -8049,25 +8055,24 @@
               <a:rPr lang="en-IN" dirty="0"/>
               <a:t> token </a:t>
             </a:r>
-            <a:endParaRPr lang="en-IN" dirty="0" smtClean="0"/>
-          </a:p>
-          <a:p>
-            <a:endParaRPr lang="en-IN" dirty="0" smtClean="0"/>
-          </a:p>
-          <a:p>
-            <a:pPr marL="0" indent="0">
-              <a:buNone/>
-            </a:pPr>
-            <a:r>
-              <a:rPr lang="en-IN" dirty="0" smtClean="0"/>
+          </a:p>
+          <a:p>
+            <a:endParaRPr lang="en-IN" dirty="0"/>
+          </a:p>
+          <a:p>
+            <a:pPr marL="0" indent="0">
+              <a:buNone/>
+            </a:pPr>
+            <a:r>
+              <a:rPr lang="en-IN" dirty="0"/>
               <a:t>#include &lt;</a:t>
             </a:r>
             <a:r>
-              <a:rPr lang="en-IN" dirty="0" err="1" smtClean="0"/>
+              <a:rPr lang="en-IN" dirty="0" err="1"/>
               <a:t>stdio.h</a:t>
             </a:r>
             <a:r>
-              <a:rPr lang="en-IN" dirty="0" smtClean="0"/>
+              <a:rPr lang="en-IN" dirty="0"/>
               <a:t>&gt;</a:t>
             </a:r>
           </a:p>
@@ -8076,7 +8081,7 @@
               <a:buNone/>
             </a:pPr>
             <a:r>
-              <a:rPr lang="en-IN" dirty="0" smtClean="0"/>
+              <a:rPr lang="en-IN" dirty="0"/>
               <a:t>#define PI 3.1415</a:t>
             </a:r>
           </a:p>
@@ -8085,7 +8090,7 @@
               <a:buNone/>
             </a:pPr>
             <a:r>
-              <a:rPr lang="en-IN" dirty="0" smtClean="0">
+              <a:rPr lang="en-IN" dirty="0">
                 <a:solidFill>
                   <a:srgbClr val="FF0000"/>
                 </a:solidFill>
@@ -8093,7 +8098,7 @@
               <a:t>#</a:t>
             </a:r>
             <a:r>
-              <a:rPr lang="en-IN" dirty="0" err="1" smtClean="0">
+              <a:rPr lang="en-IN" dirty="0" err="1">
                 <a:solidFill>
                   <a:srgbClr val="FF0000"/>
                 </a:solidFill>
@@ -8101,7 +8106,7 @@
               <a:t>undef</a:t>
             </a:r>
             <a:r>
-              <a:rPr lang="en-IN" dirty="0" smtClean="0">
+              <a:rPr lang="en-IN" dirty="0">
                 <a:solidFill>
                   <a:srgbClr val="FF0000"/>
                 </a:solidFill>
@@ -8114,11 +8119,11 @@
               <a:buNone/>
             </a:pPr>
             <a:r>
-              <a:rPr lang="en-IN" dirty="0" err="1" smtClean="0"/>
+              <a:rPr lang="en-IN" dirty="0" err="1"/>
               <a:t>int</a:t>
             </a:r>
             <a:r>
-              <a:rPr lang="en-IN" dirty="0" smtClean="0"/>
+              <a:rPr lang="en-IN" dirty="0"/>
               <a:t> main() {</a:t>
             </a:r>
           </a:p>
@@ -8127,23 +8132,23 @@
               <a:buNone/>
             </a:pPr>
             <a:r>
-              <a:rPr lang="en-IN" dirty="0" smtClean="0"/>
+              <a:rPr lang="en-IN" dirty="0"/>
               <a:t>   </a:t>
             </a:r>
             <a:r>
-              <a:rPr lang="en-IN" dirty="0" err="1" smtClean="0"/>
+              <a:rPr lang="en-IN" dirty="0" err="1"/>
               <a:t>printf</a:t>
             </a:r>
             <a:r>
-              <a:rPr lang="en-IN" dirty="0" smtClean="0"/>
+              <a:rPr lang="en-IN" dirty="0"/>
               <a:t>("%</a:t>
             </a:r>
             <a:r>
-              <a:rPr lang="en-IN" dirty="0" err="1" smtClean="0"/>
+              <a:rPr lang="en-IN" dirty="0" err="1"/>
               <a:t>f",PI</a:t>
             </a:r>
             <a:r>
-              <a:rPr lang="en-IN" dirty="0" smtClean="0"/>
+              <a:rPr lang="en-IN" dirty="0"/>
               <a:t>);</a:t>
             </a:r>
           </a:p>
@@ -8152,7 +8157,7 @@
               <a:buNone/>
             </a:pPr>
             <a:r>
-              <a:rPr lang="en-IN" dirty="0" smtClean="0"/>
+              <a:rPr lang="en-IN" dirty="0"/>
               <a:t>   return 0;</a:t>
             </a:r>
           </a:p>
@@ -8161,10 +8166,9 @@
               <a:buNone/>
             </a:pPr>
             <a:r>
-              <a:rPr lang="en-IN" dirty="0" smtClean="0"/>
+              <a:rPr lang="en-IN" dirty="0"/>
               <a:t>}</a:t>
             </a:r>
-            <a:endParaRPr lang="en-IN" dirty="0"/>
           </a:p>
         </p:txBody>
       </p:sp>
@@ -8214,7 +8218,7 @@
           <a:lstStyle/>
           <a:p>
             <a:r>
-              <a:rPr lang="en-US" dirty="0" smtClean="0"/>
+              <a:rPr lang="en-US" dirty="0"/>
               <a:t>#error</a:t>
             </a:r>
             <a:endParaRPr lang="en-IN" dirty="0"/>
@@ -8252,15 +8256,15 @@
               <a:buNone/>
             </a:pPr>
             <a:r>
-              <a:rPr lang="en-IN" dirty="0" smtClean="0"/>
+              <a:rPr lang="en-IN" dirty="0"/>
               <a:t>#include&lt;</a:t>
             </a:r>
             <a:r>
-              <a:rPr lang="en-IN" dirty="0" err="1" smtClean="0"/>
+              <a:rPr lang="en-IN" dirty="0" err="1"/>
               <a:t>stdio.h</a:t>
             </a:r>
             <a:r>
-              <a:rPr lang="en-IN" dirty="0" smtClean="0"/>
+              <a:rPr lang="en-IN" dirty="0"/>
               <a:t>&gt;  </a:t>
             </a:r>
           </a:p>
@@ -8269,15 +8273,15 @@
               <a:buNone/>
             </a:pPr>
             <a:r>
-              <a:rPr lang="en-IN" dirty="0" smtClean="0"/>
+              <a:rPr lang="en-IN" dirty="0"/>
               <a:t>#</a:t>
             </a:r>
             <a:r>
-              <a:rPr lang="en-IN" dirty="0" err="1" smtClean="0"/>
+              <a:rPr lang="en-IN" dirty="0" err="1"/>
               <a:t>ifndef</a:t>
             </a:r>
             <a:r>
-              <a:rPr lang="en-IN" dirty="0" smtClean="0"/>
+              <a:rPr lang="en-IN" dirty="0"/>
               <a:t> __MATH_H  </a:t>
             </a:r>
           </a:p>
@@ -8286,7 +8290,7 @@
               <a:buNone/>
             </a:pPr>
             <a:r>
-              <a:rPr lang="en-IN" dirty="0" smtClean="0">
+              <a:rPr lang="en-IN" dirty="0">
                 <a:solidFill>
                   <a:srgbClr val="FF0000"/>
                 </a:solidFill>
@@ -8299,7 +8303,7 @@
               <a:buNone/>
             </a:pPr>
             <a:r>
-              <a:rPr lang="en-IN" dirty="0" smtClean="0"/>
+              <a:rPr lang="en-IN" dirty="0"/>
               <a:t>#else  </a:t>
             </a:r>
           </a:p>
@@ -8308,7 +8312,7 @@
               <a:buNone/>
             </a:pPr>
             <a:r>
-              <a:rPr lang="en-IN" dirty="0" smtClean="0"/>
+              <a:rPr lang="en-IN" dirty="0"/>
               <a:t>void main(){  </a:t>
             </a:r>
           </a:p>
@@ -8317,7 +8321,7 @@
               <a:buNone/>
             </a:pPr>
             <a:r>
-              <a:rPr lang="en-IN" dirty="0" smtClean="0"/>
+              <a:rPr lang="en-IN" dirty="0"/>
               <a:t>    float a;  </a:t>
             </a:r>
           </a:p>
@@ -8326,15 +8330,15 @@
               <a:buNone/>
             </a:pPr>
             <a:r>
-              <a:rPr lang="en-IN" dirty="0" smtClean="0"/>
+              <a:rPr lang="en-IN" dirty="0"/>
               <a:t>    a=</a:t>
             </a:r>
             <a:r>
-              <a:rPr lang="en-IN" dirty="0" err="1" smtClean="0"/>
+              <a:rPr lang="en-IN" dirty="0" err="1"/>
               <a:t>sqrt</a:t>
             </a:r>
             <a:r>
-              <a:rPr lang="en-IN" dirty="0" smtClean="0"/>
+              <a:rPr lang="en-IN" dirty="0"/>
               <a:t>(7);  </a:t>
             </a:r>
           </a:p>
@@ -8343,23 +8347,23 @@
               <a:buNone/>
             </a:pPr>
             <a:r>
-              <a:rPr lang="en-IN" dirty="0" smtClean="0"/>
+              <a:rPr lang="en-IN" dirty="0"/>
               <a:t>    </a:t>
             </a:r>
             <a:r>
-              <a:rPr lang="en-IN" dirty="0" err="1" smtClean="0"/>
+              <a:rPr lang="en-IN" dirty="0" err="1"/>
               <a:t>printf</a:t>
             </a:r>
             <a:r>
-              <a:rPr lang="en-IN" dirty="0" smtClean="0"/>
+              <a:rPr lang="en-IN" dirty="0"/>
               <a:t>("%</a:t>
             </a:r>
             <a:r>
-              <a:rPr lang="en-IN" dirty="0" err="1" smtClean="0"/>
+              <a:rPr lang="en-IN" dirty="0" err="1"/>
               <a:t>f",a</a:t>
             </a:r>
             <a:r>
-              <a:rPr lang="en-IN" dirty="0" smtClean="0"/>
+              <a:rPr lang="en-IN" dirty="0"/>
               <a:t>);  </a:t>
             </a:r>
           </a:p>
@@ -8368,7 +8372,7 @@
               <a:buNone/>
             </a:pPr>
             <a:r>
-              <a:rPr lang="en-IN" dirty="0" smtClean="0"/>
+              <a:rPr lang="en-IN" dirty="0"/>
               <a:t>}  </a:t>
             </a:r>
           </a:p>
@@ -8377,11 +8381,11 @@
               <a:buNone/>
             </a:pPr>
             <a:r>
-              <a:rPr lang="en-IN" dirty="0" smtClean="0"/>
+              <a:rPr lang="en-IN" dirty="0"/>
               <a:t>#</a:t>
             </a:r>
             <a:r>
-              <a:rPr lang="en-IN" dirty="0" err="1" smtClean="0"/>
+              <a:rPr lang="en-IN" dirty="0" err="1"/>
               <a:t>endif</a:t>
             </a:r>
             <a:endParaRPr lang="en-IN" dirty="0"/>
@@ -8417,23 +8421,7 @@
           <a:p>
             <a:r>
               <a:rPr lang="en-US" dirty="0"/>
-              <a:t>The </a:t>
-            </a:r>
-            <a:r>
-              <a:rPr lang="en-US" dirty="0" smtClean="0"/>
-              <a:t>#error</a:t>
-            </a:r>
-            <a:r>
-              <a:rPr lang="en-US" dirty="0"/>
-              <a:t> preprocessor directive indicates error. The compiler gives fatal error if </a:t>
-            </a:r>
-            <a:r>
-              <a:rPr lang="en-US" dirty="0" smtClean="0"/>
-              <a:t>#error</a:t>
-            </a:r>
-            <a:r>
-              <a:rPr lang="en-US" dirty="0"/>
-              <a:t> directive is found and skips further compilation process.</a:t>
+              <a:t>The #error preprocessor directive indicates error. The compiler gives fatal error if #error directive is found and skips further compilation process.</a:t>
             </a:r>
             <a:endParaRPr lang="en-IN" dirty="0"/>
           </a:p>
@@ -8508,49 +8496,49 @@
           <a:lstStyle/>
           <a:p>
             <a:r>
-              <a:rPr lang="en-US" dirty="0" err="1" smtClean="0"/>
+              <a:rPr lang="en-US" dirty="0" err="1"/>
               <a:t>Misnesting</a:t>
             </a:r>
-            <a:endParaRPr lang="en-US" dirty="0" smtClean="0"/>
-          </a:p>
-          <a:p>
-            <a:r>
-              <a:rPr lang="en-US" dirty="0" smtClean="0"/>
+            <a:endParaRPr lang="en-US" dirty="0"/>
+          </a:p>
+          <a:p>
+            <a:r>
+              <a:rPr lang="en-US" dirty="0"/>
               <a:t>Operator Precedence Problems</a:t>
             </a:r>
           </a:p>
           <a:p>
             <a:r>
-              <a:rPr lang="en-US" dirty="0" smtClean="0"/>
+              <a:rPr lang="en-US" dirty="0"/>
               <a:t>Swallowing the Semicolon</a:t>
             </a:r>
           </a:p>
           <a:p>
             <a:r>
-              <a:rPr lang="en-US" dirty="0" smtClean="0"/>
+              <a:rPr lang="en-US" dirty="0"/>
               <a:t>Duplication of Side Effects</a:t>
             </a:r>
           </a:p>
           <a:p>
             <a:r>
-              <a:rPr lang="en-US" dirty="0" smtClean="0"/>
+              <a:rPr lang="en-US" dirty="0"/>
               <a:t>Self-Referential Macros</a:t>
             </a:r>
           </a:p>
           <a:p>
             <a:r>
-              <a:rPr lang="en-US" dirty="0" smtClean="0"/>
+              <a:rPr lang="en-US" dirty="0"/>
               <a:t>Argument </a:t>
             </a:r>
             <a:r>
-              <a:rPr lang="en-US" dirty="0" err="1" smtClean="0"/>
+              <a:rPr lang="en-US" dirty="0" err="1"/>
               <a:t>Prescan</a:t>
             </a:r>
-            <a:endParaRPr lang="en-US" dirty="0" smtClean="0"/>
-          </a:p>
-          <a:p>
-            <a:r>
-              <a:rPr lang="en-US" dirty="0" smtClean="0"/>
+            <a:endParaRPr lang="en-US" dirty="0"/>
+          </a:p>
+          <a:p>
+            <a:r>
+              <a:rPr lang="en-US" dirty="0"/>
               <a:t>Newlines in Arguments</a:t>
             </a:r>
             <a:endParaRPr lang="en-IN" dirty="0"/>
@@ -8646,12 +8634,8 @@
           <a:p>
             <a:pPr lvl="1"/>
             <a:r>
-              <a:rPr lang="en-US" dirty="0" smtClean="0"/>
-              <a:t>Macros </a:t>
-            </a:r>
-            <a:r>
               <a:rPr lang="en-US" dirty="0"/>
-              <a:t>are expanded by the pre-processor before compilation takes place. Compiler will refer error messages in expanded macro to the line where the macro has been called.</a:t>
+              <a:t>Macros are expanded by the pre-processor before compilation takes place. Compiler will refer error messages in expanded macro to the line where the macro has been called.</a:t>
             </a:r>
           </a:p>
           <a:p>
@@ -8752,7 +8736,7 @@
           <a:lstStyle/>
           <a:p>
             <a:r>
-              <a:rPr lang="en-US" dirty="0" smtClean="0"/>
+              <a:rPr lang="en-US" dirty="0"/>
               <a:t>File inclusion ( #include)</a:t>
             </a:r>
             <a:endParaRPr lang="en-IN" dirty="0"/>
@@ -8776,11 +8760,7 @@
           <a:p>
             <a:r>
               <a:rPr lang="en-US" dirty="0"/>
-              <a:t>Tells the preprocessor to include the contents of a specified file at the point where the directive appears</a:t>
-            </a:r>
-            <a:r>
-              <a:rPr lang="en-US" dirty="0" smtClean="0"/>
-              <a:t>.</a:t>
+              <a:t>Tells the preprocessor to include the contents of a specified file at the point where the directive appears.</a:t>
             </a:r>
           </a:p>
           <a:p>
@@ -8797,7 +8777,7 @@
               <a:buNone/>
             </a:pPr>
             <a:r>
-              <a:rPr lang="en-US" b="1" dirty="0" smtClean="0">
+              <a:rPr lang="en-US" b="1" dirty="0">
                 <a:solidFill>
                   <a:srgbClr val="FF0000"/>
                 </a:solidFill>
@@ -8806,7 +8786,7 @@
               <a:t>#include "</a:t>
             </a:r>
             <a:r>
-              <a:rPr lang="en-US" dirty="0" smtClean="0">
+              <a:rPr lang="en-US" dirty="0">
                 <a:solidFill>
                   <a:srgbClr val="FF0000"/>
                 </a:solidFill>
@@ -8815,7 +8795,7 @@
               <a:t> </a:t>
             </a:r>
             <a:r>
-              <a:rPr lang="en-US" i="1" dirty="0" smtClean="0">
+              <a:rPr lang="en-US" i="1" dirty="0">
                 <a:solidFill>
                   <a:srgbClr val="FF0000"/>
                 </a:solidFill>
@@ -8824,7 +8804,7 @@
               <a:t>path-spec</a:t>
             </a:r>
             <a:r>
-              <a:rPr lang="en-US" dirty="0" smtClean="0">
+              <a:rPr lang="en-US" dirty="0">
                 <a:solidFill>
                   <a:srgbClr val="FF0000"/>
                 </a:solidFill>
@@ -8833,7 +8813,7 @@
               <a:t> </a:t>
             </a:r>
             <a:r>
-              <a:rPr lang="en-US" b="1" dirty="0" smtClean="0">
+              <a:rPr lang="en-US" b="1" dirty="0">
                 <a:solidFill>
                   <a:srgbClr val="FF0000"/>
                 </a:solidFill>
@@ -8841,69 +8821,60 @@
               </a:rPr>
               <a:t>"</a:t>
             </a:r>
-            <a:r>
-              <a:rPr lang="en-US" dirty="0" smtClean="0">
+            <a:br>
+              <a:rPr lang="en-US" dirty="0">
                 <a:solidFill>
                   <a:srgbClr val="FF0000"/>
                 </a:solidFill>
                 <a:effectLst/>
               </a:rPr>
-              <a:t/>
-            </a:r>
-            <a:br>
-              <a:rPr lang="en-US" dirty="0" smtClean="0">
+            </a:br>
+            <a:r>
+              <a:rPr lang="en-US" b="1" dirty="0">
                 <a:solidFill>
                   <a:srgbClr val="FF0000"/>
                 </a:solidFill>
                 <a:effectLst/>
               </a:rPr>
-            </a:br>
-            <a:r>
-              <a:rPr lang="en-US" b="1" dirty="0" smtClean="0">
+              <a:t>#include &lt;</a:t>
+            </a:r>
+            <a:r>
+              <a:rPr lang="en-US" dirty="0">
                 <a:solidFill>
                   <a:srgbClr val="FF0000"/>
                 </a:solidFill>
                 <a:effectLst/>
               </a:rPr>
-              <a:t>#include &lt;</a:t>
-            </a:r>
-            <a:r>
-              <a:rPr lang="en-US" dirty="0" smtClean="0">
+              <a:t> </a:t>
+            </a:r>
+            <a:r>
+              <a:rPr lang="en-US" i="1" dirty="0">
                 <a:solidFill>
                   <a:srgbClr val="FF0000"/>
                 </a:solidFill>
                 <a:effectLst/>
               </a:rPr>
+              <a:t>path-spec</a:t>
+            </a:r>
+            <a:r>
+              <a:rPr lang="en-US" dirty="0">
+                <a:solidFill>
+                  <a:srgbClr val="FF0000"/>
+                </a:solidFill>
+                <a:effectLst/>
+              </a:rPr>
               <a:t> </a:t>
             </a:r>
             <a:r>
-              <a:rPr lang="en-US" i="1" dirty="0" smtClean="0">
+              <a:rPr lang="en-US" b="1" dirty="0">
                 <a:solidFill>
                   <a:srgbClr val="FF0000"/>
                 </a:solidFill>
                 <a:effectLst/>
               </a:rPr>
-              <a:t>path-spec</a:t>
-            </a:r>
-            <a:r>
-              <a:rPr lang="en-US" dirty="0" smtClean="0">
-                <a:solidFill>
-                  <a:srgbClr val="FF0000"/>
-                </a:solidFill>
-                <a:effectLst/>
-              </a:rPr>
-              <a:t> </a:t>
-            </a:r>
-            <a:r>
-              <a:rPr lang="en-US" b="1" dirty="0" smtClean="0">
-                <a:solidFill>
-                  <a:srgbClr val="FF0000"/>
-                </a:solidFill>
-                <a:effectLst/>
-              </a:rPr>
               <a:t>&gt;</a:t>
             </a:r>
-            <a:endParaRPr lang="en-US" dirty="0" smtClean="0">
+            <a:endParaRPr lang="en-US" dirty="0">
               <a:solidFill>
                 <a:srgbClr val="FF0000"/>
               </a:solidFill>
@@ -8961,7 +8932,7 @@
           <a:lstStyle/>
           <a:p>
             <a:r>
-              <a:rPr lang="en-US" dirty="0" smtClean="0"/>
+              <a:rPr lang="en-US" dirty="0"/>
               <a:t>#include Example</a:t>
             </a:r>
             <a:endParaRPr lang="en-IN" dirty="0"/>
@@ -8999,23 +8970,23 @@
               <a:buNone/>
             </a:pPr>
             <a:r>
-              <a:rPr lang="en-IN" dirty="0" smtClean="0"/>
+              <a:rPr lang="en-IN" dirty="0"/>
               <a:t>void add(</a:t>
             </a:r>
             <a:r>
-              <a:rPr lang="en-IN" dirty="0" err="1" smtClean="0"/>
+              <a:rPr lang="en-IN" dirty="0" err="1"/>
               <a:t>int</a:t>
             </a:r>
             <a:r>
-              <a:rPr lang="en-IN" dirty="0" smtClean="0"/>
+              <a:rPr lang="en-IN" dirty="0"/>
               <a:t> a, </a:t>
             </a:r>
             <a:r>
-              <a:rPr lang="en-IN" dirty="0" err="1" smtClean="0"/>
+              <a:rPr lang="en-IN" dirty="0" err="1"/>
               <a:t>int</a:t>
             </a:r>
             <a:r>
-              <a:rPr lang="en-IN" dirty="0" smtClean="0"/>
+              <a:rPr lang="en-IN" dirty="0"/>
               <a:t> b)</a:t>
             </a:r>
           </a:p>
@@ -9024,7 +8995,7 @@
               <a:buNone/>
             </a:pPr>
             <a:r>
-              <a:rPr lang="en-IN" dirty="0" smtClean="0"/>
+              <a:rPr lang="en-IN" dirty="0"/>
               <a:t>{</a:t>
             </a:r>
           </a:p>
@@ -9033,15 +9004,15 @@
               <a:buNone/>
             </a:pPr>
             <a:r>
-              <a:rPr lang="en-IN" dirty="0" smtClean="0"/>
+              <a:rPr lang="en-IN" dirty="0"/>
               <a:t>    </a:t>
             </a:r>
             <a:r>
-              <a:rPr lang="en-IN" dirty="0" err="1" smtClean="0"/>
+              <a:rPr lang="en-IN" dirty="0" err="1"/>
               <a:t>printf</a:t>
             </a:r>
             <a:r>
-              <a:rPr lang="en-IN" dirty="0" smtClean="0"/>
+              <a:rPr lang="en-IN" dirty="0"/>
               <a:t>("Added value=%d\n", a + b);</a:t>
             </a:r>
           </a:p>
@@ -9050,7 +9021,7 @@
               <a:buNone/>
             </a:pPr>
             <a:r>
-              <a:rPr lang="en-IN" dirty="0" smtClean="0"/>
+              <a:rPr lang="en-IN" dirty="0"/>
               <a:t>}</a:t>
             </a:r>
           </a:p>
@@ -9059,23 +9030,23 @@
               <a:buNone/>
             </a:pPr>
             <a:r>
-              <a:rPr lang="en-IN" dirty="0" smtClean="0"/>
+              <a:rPr lang="en-IN" dirty="0"/>
               <a:t>void sub(</a:t>
             </a:r>
             <a:r>
-              <a:rPr lang="en-IN" dirty="0" err="1" smtClean="0"/>
+              <a:rPr lang="en-IN" dirty="0" err="1"/>
               <a:t>int</a:t>
             </a:r>
             <a:r>
-              <a:rPr lang="en-IN" dirty="0" smtClean="0"/>
+              <a:rPr lang="en-IN" dirty="0"/>
               <a:t> a, </a:t>
             </a:r>
             <a:r>
-              <a:rPr lang="en-IN" dirty="0" err="1" smtClean="0"/>
+              <a:rPr lang="en-IN" dirty="0" err="1"/>
               <a:t>int</a:t>
             </a:r>
             <a:r>
-              <a:rPr lang="en-IN" dirty="0" smtClean="0"/>
+              <a:rPr lang="en-IN" dirty="0"/>
               <a:t> b)</a:t>
             </a:r>
           </a:p>
@@ -9084,7 +9055,7 @@
               <a:buNone/>
             </a:pPr>
             <a:r>
-              <a:rPr lang="en-IN" dirty="0" smtClean="0"/>
+              <a:rPr lang="en-IN" dirty="0"/>
               <a:t>{</a:t>
             </a:r>
           </a:p>
@@ -9093,15 +9064,15 @@
               <a:buNone/>
             </a:pPr>
             <a:r>
-              <a:rPr lang="en-IN" dirty="0" smtClean="0"/>
+              <a:rPr lang="en-IN" dirty="0"/>
               <a:t>    </a:t>
             </a:r>
             <a:r>
-              <a:rPr lang="en-IN" dirty="0" err="1" smtClean="0"/>
+              <a:rPr lang="en-IN" dirty="0" err="1"/>
               <a:t>printf</a:t>
             </a:r>
             <a:r>
-              <a:rPr lang="en-IN" dirty="0" smtClean="0"/>
+              <a:rPr lang="en-IN" dirty="0"/>
               <a:t>("subtracted value=%d\n", a - b);</a:t>
             </a:r>
           </a:p>
@@ -9110,7 +9081,7 @@
               <a:buNone/>
             </a:pPr>
             <a:r>
-              <a:rPr lang="en-IN" dirty="0" smtClean="0"/>
+              <a:rPr lang="en-IN" dirty="0"/>
               <a:t>}</a:t>
             </a:r>
           </a:p>
@@ -9119,31 +9090,31 @@
               <a:buNone/>
             </a:pPr>
             <a:r>
-              <a:rPr lang="en-IN" dirty="0" smtClean="0"/>
+              <a:rPr lang="en-IN" dirty="0"/>
               <a:t>void </a:t>
             </a:r>
             <a:r>
-              <a:rPr lang="en-IN" dirty="0" err="1" smtClean="0"/>
+              <a:rPr lang="en-IN" dirty="0" err="1"/>
               <a:t>mult</a:t>
             </a:r>
             <a:r>
-              <a:rPr lang="en-IN" dirty="0" smtClean="0"/>
+              <a:rPr lang="en-IN" dirty="0"/>
               <a:t>(</a:t>
             </a:r>
             <a:r>
-              <a:rPr lang="en-IN" dirty="0" err="1" smtClean="0"/>
+              <a:rPr lang="en-IN" dirty="0" err="1"/>
               <a:t>int</a:t>
             </a:r>
             <a:r>
-              <a:rPr lang="en-IN" dirty="0" smtClean="0"/>
+              <a:rPr lang="en-IN" dirty="0"/>
               <a:t> a, </a:t>
             </a:r>
             <a:r>
-              <a:rPr lang="en-IN" dirty="0" err="1" smtClean="0"/>
+              <a:rPr lang="en-IN" dirty="0" err="1"/>
               <a:t>int</a:t>
             </a:r>
             <a:r>
-              <a:rPr lang="en-IN" dirty="0" smtClean="0"/>
+              <a:rPr lang="en-IN" dirty="0"/>
               <a:t> b)</a:t>
             </a:r>
           </a:p>
@@ -9152,7 +9123,7 @@
               <a:buNone/>
             </a:pPr>
             <a:r>
-              <a:rPr lang="en-IN" dirty="0" smtClean="0"/>
+              <a:rPr lang="en-IN" dirty="0"/>
               <a:t>{</a:t>
             </a:r>
           </a:p>
@@ -9161,15 +9132,15 @@
               <a:buNone/>
             </a:pPr>
             <a:r>
-              <a:rPr lang="en-IN" dirty="0" smtClean="0"/>
+              <a:rPr lang="en-IN" dirty="0"/>
               <a:t>    </a:t>
             </a:r>
             <a:r>
-              <a:rPr lang="en-IN" dirty="0" err="1" smtClean="0"/>
+              <a:rPr lang="en-IN" dirty="0" err="1"/>
               <a:t>printf</a:t>
             </a:r>
             <a:r>
-              <a:rPr lang="en-IN" dirty="0" smtClean="0"/>
+              <a:rPr lang="en-IN" dirty="0"/>
               <a:t>("Multiplied value=%d\n", a * b);</a:t>
             </a:r>
           </a:p>
@@ -9178,7 +9149,7 @@
               <a:buNone/>
             </a:pPr>
             <a:r>
-              <a:rPr lang="en-IN" dirty="0" smtClean="0"/>
+              <a:rPr lang="en-IN" dirty="0"/>
               <a:t>}</a:t>
             </a:r>
           </a:p>
@@ -9187,23 +9158,23 @@
               <a:buNone/>
             </a:pPr>
             <a:r>
-              <a:rPr lang="en-IN" dirty="0" smtClean="0"/>
+              <a:rPr lang="en-IN" dirty="0"/>
               <a:t>void div(</a:t>
             </a:r>
             <a:r>
-              <a:rPr lang="en-IN" dirty="0" err="1" smtClean="0"/>
+              <a:rPr lang="en-IN" dirty="0" err="1"/>
               <a:t>int</a:t>
             </a:r>
             <a:r>
-              <a:rPr lang="en-IN" dirty="0" smtClean="0"/>
+              <a:rPr lang="en-IN" dirty="0"/>
               <a:t> a, </a:t>
             </a:r>
             <a:r>
-              <a:rPr lang="en-IN" dirty="0" err="1" smtClean="0"/>
+              <a:rPr lang="en-IN" dirty="0" err="1"/>
               <a:t>int</a:t>
             </a:r>
             <a:r>
-              <a:rPr lang="en-IN" dirty="0" smtClean="0"/>
+              <a:rPr lang="en-IN" dirty="0"/>
               <a:t> b)</a:t>
             </a:r>
           </a:p>
@@ -9212,7 +9183,7 @@
               <a:buNone/>
             </a:pPr>
             <a:r>
-              <a:rPr lang="en-IN" dirty="0" smtClean="0"/>
+              <a:rPr lang="en-IN" dirty="0"/>
               <a:t>{</a:t>
             </a:r>
           </a:p>
@@ -9221,15 +9192,15 @@
               <a:buNone/>
             </a:pPr>
             <a:r>
-              <a:rPr lang="en-IN" dirty="0" smtClean="0"/>
+              <a:rPr lang="en-IN" dirty="0"/>
               <a:t>    </a:t>
             </a:r>
             <a:r>
-              <a:rPr lang="en-IN" dirty="0" err="1" smtClean="0"/>
+              <a:rPr lang="en-IN" dirty="0" err="1"/>
               <a:t>printf</a:t>
             </a:r>
             <a:r>
-              <a:rPr lang="en-IN" dirty="0" smtClean="0"/>
+              <a:rPr lang="en-IN" dirty="0"/>
               <a:t>("Quotient is=%d\n", a / b);</a:t>
             </a:r>
           </a:p>
@@ -9238,10 +9209,9 @@
               <a:buNone/>
             </a:pPr>
             <a:r>
-              <a:rPr lang="en-IN" dirty="0" smtClean="0"/>
+              <a:rPr lang="en-IN" dirty="0"/>
               <a:t>}</a:t>
             </a:r>
-            <a:endParaRPr lang="en-IN" dirty="0"/>
           </a:p>
         </p:txBody>
       </p:sp>
@@ -9276,15 +9246,15 @@
               <a:buNone/>
             </a:pPr>
             <a:r>
-              <a:rPr lang="en-US" dirty="0" smtClean="0"/>
+              <a:rPr lang="en-US" dirty="0"/>
               <a:t>#include &lt;</a:t>
             </a:r>
             <a:r>
-              <a:rPr lang="en-US" dirty="0" err="1" smtClean="0"/>
+              <a:rPr lang="en-US" dirty="0" err="1"/>
               <a:t>stdio.h</a:t>
             </a:r>
             <a:r>
-              <a:rPr lang="en-US" dirty="0" smtClean="0"/>
+              <a:rPr lang="en-US" dirty="0"/>
               <a:t>&gt;</a:t>
             </a:r>
           </a:p>
@@ -9293,15 +9263,15 @@
               <a:buNone/>
             </a:pPr>
             <a:r>
-              <a:rPr lang="en-US" dirty="0" smtClean="0"/>
+              <a:rPr lang="en-US" dirty="0"/>
               <a:t>#include "</a:t>
             </a:r>
             <a:r>
-              <a:rPr lang="en-US" dirty="0" err="1" smtClean="0"/>
+              <a:rPr lang="en-US" dirty="0" err="1"/>
               <a:t>arith.h</a:t>
             </a:r>
             <a:r>
-              <a:rPr lang="en-US" dirty="0" smtClean="0"/>
+              <a:rPr lang="en-US" dirty="0"/>
               <a:t>"</a:t>
             </a:r>
           </a:p>
@@ -9310,11 +9280,11 @@
               <a:buNone/>
             </a:pPr>
             <a:r>
-              <a:rPr lang="en-US" dirty="0" err="1" smtClean="0"/>
+              <a:rPr lang="en-US" dirty="0" err="1"/>
               <a:t>int</a:t>
             </a:r>
             <a:r>
-              <a:rPr lang="en-US" dirty="0" smtClean="0"/>
+              <a:rPr lang="en-US" dirty="0"/>
               <a:t> main()</a:t>
             </a:r>
           </a:p>
@@ -9323,7 +9293,7 @@
               <a:buNone/>
             </a:pPr>
             <a:r>
-              <a:rPr lang="en-US" dirty="0" smtClean="0"/>
+              <a:rPr lang="en-US" dirty="0"/>
               <a:t>{</a:t>
             </a:r>
           </a:p>
@@ -9332,7 +9302,7 @@
               <a:buNone/>
             </a:pPr>
             <a:r>
-              <a:rPr lang="en-US" dirty="0" smtClean="0"/>
+              <a:rPr lang="en-US" dirty="0"/>
               <a:t>    add(20,10);</a:t>
             </a:r>
           </a:p>
@@ -9341,7 +9311,7 @@
               <a:buNone/>
             </a:pPr>
             <a:r>
-              <a:rPr lang="en-US" dirty="0" smtClean="0"/>
+              <a:rPr lang="en-US" dirty="0"/>
               <a:t>    sub(20,10);</a:t>
             </a:r>
           </a:p>
@@ -9350,15 +9320,15 @@
               <a:buNone/>
             </a:pPr>
             <a:r>
-              <a:rPr lang="en-US" dirty="0" smtClean="0"/>
+              <a:rPr lang="en-US" dirty="0"/>
               <a:t>    </a:t>
             </a:r>
             <a:r>
-              <a:rPr lang="en-US" dirty="0" err="1" smtClean="0"/>
+              <a:rPr lang="en-US" dirty="0" err="1"/>
               <a:t>mult</a:t>
             </a:r>
             <a:r>
-              <a:rPr lang="en-US" dirty="0" smtClean="0"/>
+              <a:rPr lang="en-US" dirty="0"/>
               <a:t>(20,10);</a:t>
             </a:r>
           </a:p>
@@ -9367,7 +9337,7 @@
               <a:buNone/>
             </a:pPr>
             <a:r>
-              <a:rPr lang="en-US" dirty="0" smtClean="0"/>
+              <a:rPr lang="en-US" dirty="0"/>
               <a:t>    div(20,10);</a:t>
             </a:r>
           </a:p>
@@ -9376,15 +9346,15 @@
               <a:buNone/>
             </a:pPr>
             <a:r>
-              <a:rPr lang="en-US" dirty="0" smtClean="0"/>
+              <a:rPr lang="en-US" dirty="0"/>
               <a:t>    </a:t>
             </a:r>
             <a:r>
-              <a:rPr lang="en-US" dirty="0" err="1" smtClean="0"/>
+              <a:rPr lang="en-US" dirty="0" err="1"/>
               <a:t>printf</a:t>
             </a:r>
             <a:r>
-              <a:rPr lang="en-US" dirty="0" smtClean="0"/>
+              <a:rPr lang="en-US" dirty="0"/>
               <a:t>("Process completed");</a:t>
             </a:r>
           </a:p>
@@ -9393,7 +9363,7 @@
               <a:buNone/>
             </a:pPr>
             <a:r>
-              <a:rPr lang="en-US" dirty="0" smtClean="0"/>
+              <a:rPr lang="en-US" dirty="0"/>
               <a:t>    return 0;</a:t>
             </a:r>
           </a:p>
@@ -9402,7 +9372,7 @@
               <a:buNone/>
             </a:pPr>
             <a:r>
-              <a:rPr lang="en-US" dirty="0" smtClean="0"/>
+              <a:rPr lang="en-US" dirty="0"/>
               <a:t>}</a:t>
             </a:r>
           </a:p>
@@ -9438,11 +9408,7 @@
           <a:p>
             <a:r>
               <a:rPr lang="en-US" dirty="0" err="1"/>
-              <a:t>a</a:t>
-            </a:r>
-            <a:r>
-              <a:rPr lang="en-US" dirty="0" err="1" smtClean="0"/>
-              <a:t>rith.h</a:t>
+              <a:t>arith.h</a:t>
             </a:r>
             <a:endParaRPr lang="en-IN" dirty="0"/>
           </a:p>
@@ -9472,11 +9438,7 @@
           <a:p>
             <a:r>
               <a:rPr lang="en-US" dirty="0"/>
-              <a:t>p</a:t>
-            </a:r>
-            <a:r>
-              <a:rPr lang="en-US" dirty="0" smtClean="0"/>
-              <a:t>reprocessor1.c</a:t>
+              <a:t>preprocessor1.c</a:t>
             </a:r>
             <a:endParaRPr lang="en-IN" dirty="0"/>
           </a:p>
@@ -9531,11 +9493,7 @@
           <a:p>
             <a:r>
               <a:rPr lang="en-IN" b="1" dirty="0"/>
-              <a:t>#define </a:t>
-            </a:r>
-            <a:r>
-              <a:rPr lang="en-IN" b="1" dirty="0" smtClean="0"/>
-              <a:t>directive</a:t>
+              <a:t>#define directive</a:t>
             </a:r>
             <a:endParaRPr lang="en-IN" dirty="0"/>
           </a:p>
@@ -9577,16 +9535,12 @@
             </a:r>
             <a:r>
               <a:rPr lang="en-US" dirty="0"/>
-              <a:t>, which is the association of an identifier or parameterized identifier with a token string. After the macro is defined, the compiler can substitute the token string for each occurrence of the identifier in the source file</a:t>
-            </a:r>
-            <a:r>
-              <a:rPr lang="en-US" dirty="0" smtClean="0"/>
-              <a:t>.</a:t>
+              <a:t>, which is the association of an identifier or parameterized identifier with a token string. After the macro is defined, the compiler can substitute the token string for each occurrence of the identifier in the source file.</a:t>
             </a:r>
           </a:p>
           <a:p>
             <a:pPr algn="just"/>
-            <a:endParaRPr lang="en-US" dirty="0" smtClean="0"/>
+            <a:endParaRPr lang="en-US" dirty="0"/>
           </a:p>
           <a:p>
             <a:r>
@@ -9596,179 +9550,173 @@
           </a:p>
           <a:p>
             <a:r>
-              <a:rPr lang="en-IN" b="1" dirty="0" smtClean="0">
+              <a:rPr lang="en-IN" b="1" dirty="0">
                 <a:effectLst/>
               </a:rPr>
               <a:t>#define</a:t>
             </a:r>
             <a:r>
-              <a:rPr lang="en-IN" dirty="0" smtClean="0">
+              <a:rPr lang="en-IN" dirty="0">
                 <a:effectLst/>
               </a:rPr>
               <a:t> </a:t>
             </a:r>
             <a:r>
-              <a:rPr lang="en-IN" i="1" dirty="0" smtClean="0">
+              <a:rPr lang="en-IN" i="1" dirty="0">
                 <a:effectLst/>
               </a:rPr>
               <a:t>identifier</a:t>
             </a:r>
             <a:r>
-              <a:rPr lang="en-IN" dirty="0" smtClean="0">
+              <a:rPr lang="en-IN" dirty="0">
                 <a:effectLst/>
               </a:rPr>
               <a:t> </a:t>
             </a:r>
             <a:r>
-              <a:rPr lang="en-IN" i="1" dirty="0" smtClean="0">
+              <a:rPr lang="en-IN" i="1" dirty="0">
                 <a:effectLst/>
               </a:rPr>
               <a:t>token-</a:t>
             </a:r>
             <a:r>
-              <a:rPr lang="en-IN" i="1" dirty="0" err="1" smtClean="0">
+              <a:rPr lang="en-IN" i="1" dirty="0" err="1">
                 <a:effectLst/>
               </a:rPr>
               <a:t>string</a:t>
             </a:r>
             <a:r>
-              <a:rPr lang="en-IN" baseline="-25000" dirty="0" err="1" smtClean="0">
+              <a:rPr lang="en-IN" baseline="-25000" dirty="0" err="1">
                 <a:effectLst/>
               </a:rPr>
               <a:t>opt</a:t>
             </a:r>
-            <a:r>
-              <a:rPr lang="en-IN" dirty="0" smtClean="0">
+            <a:br>
+              <a:rPr lang="en-IN" dirty="0">
                 <a:effectLst/>
               </a:rPr>
-              <a:t/>
-            </a:r>
-            <a:br>
-              <a:rPr lang="en-IN" dirty="0" smtClean="0">
+            </a:br>
+            <a:r>
+              <a:rPr lang="en-IN" b="1" dirty="0">
                 <a:effectLst/>
               </a:rPr>
-            </a:br>
-            <a:r>
-              <a:rPr lang="en-IN" b="1" dirty="0" smtClean="0">
+              <a:t>#define</a:t>
+            </a:r>
+            <a:r>
+              <a:rPr lang="en-IN" dirty="0">
                 <a:effectLst/>
               </a:rPr>
-              <a:t>#define</a:t>
-            </a:r>
-            <a:r>
-              <a:rPr lang="en-IN" dirty="0" smtClean="0">
+              <a:t> </a:t>
+            </a:r>
+            <a:r>
+              <a:rPr lang="en-IN" i="1" dirty="0">
                 <a:effectLst/>
               </a:rPr>
+              <a:t>identifier</a:t>
+            </a:r>
+            <a:r>
+              <a:rPr lang="en-IN" dirty="0">
+                <a:effectLst/>
+              </a:rPr>
               <a:t> </a:t>
             </a:r>
             <a:r>
-              <a:rPr lang="en-IN" i="1" dirty="0" smtClean="0">
+              <a:rPr lang="en-IN" b="1" dirty="0">
                 <a:effectLst/>
               </a:rPr>
+              <a:t>(</a:t>
+            </a:r>
+            <a:r>
+              <a:rPr lang="en-IN" dirty="0">
+                <a:effectLst/>
+              </a:rPr>
+              <a:t> </a:t>
+            </a:r>
+            <a:r>
+              <a:rPr lang="en-IN" i="1" dirty="0" err="1">
+                <a:effectLst/>
+              </a:rPr>
               <a:t>identifier</a:t>
             </a:r>
             <a:r>
-              <a:rPr lang="en-IN" dirty="0" smtClean="0">
+              <a:rPr lang="en-IN" baseline="-25000" dirty="0" err="1">
                 <a:effectLst/>
               </a:rPr>
+              <a:t>opt</a:t>
+            </a:r>
+            <a:r>
+              <a:rPr lang="en-IN" b="1" dirty="0">
+                <a:effectLst/>
+              </a:rPr>
+              <a:t>,</a:t>
+            </a:r>
+            <a:r>
+              <a:rPr lang="en-IN" dirty="0">
+                <a:effectLst/>
+              </a:rPr>
+              <a:t> ... </a:t>
+            </a:r>
+            <a:r>
+              <a:rPr lang="en-IN" b="1" dirty="0">
+                <a:effectLst/>
+              </a:rPr>
+              <a:t>,</a:t>
+            </a:r>
+            <a:r>
+              <a:rPr lang="en-IN" dirty="0">
+                <a:effectLst/>
+              </a:rPr>
               <a:t> </a:t>
             </a:r>
             <a:r>
-              <a:rPr lang="en-IN" b="1" dirty="0" smtClean="0">
+              <a:rPr lang="en-IN" i="1" dirty="0" err="1">
                 <a:effectLst/>
               </a:rPr>
-              <a:t>(</a:t>
-            </a:r>
-            <a:r>
-              <a:rPr lang="en-IN" dirty="0" smtClean="0">
+              <a:t>identifier</a:t>
+            </a:r>
+            <a:r>
+              <a:rPr lang="en-IN" baseline="-25000" dirty="0" err="1">
                 <a:effectLst/>
               </a:rPr>
+              <a:t>opt</a:t>
+            </a:r>
+            <a:r>
+              <a:rPr lang="en-IN" dirty="0">
+                <a:effectLst/>
+              </a:rPr>
               <a:t> </a:t>
             </a:r>
             <a:r>
-              <a:rPr lang="en-IN" i="1" dirty="0" err="1" smtClean="0">
+              <a:rPr lang="en-IN" b="1" dirty="0">
                 <a:effectLst/>
               </a:rPr>
-              <a:t>identifier</a:t>
-            </a:r>
-            <a:r>
-              <a:rPr lang="en-IN" baseline="-25000" dirty="0" err="1" smtClean="0">
+              <a:t>)</a:t>
+            </a:r>
+            <a:r>
+              <a:rPr lang="en-IN" dirty="0">
                 <a:effectLst/>
               </a:rPr>
+              <a:t> </a:t>
+            </a:r>
+            <a:r>
+              <a:rPr lang="en-IN" i="1" dirty="0">
+                <a:effectLst/>
+              </a:rPr>
+              <a:t>token-</a:t>
+            </a:r>
+            <a:r>
+              <a:rPr lang="en-IN" i="1" dirty="0" err="1">
+                <a:effectLst/>
+              </a:rPr>
+              <a:t>string</a:t>
+            </a:r>
+            <a:r>
+              <a:rPr lang="en-IN" baseline="-25000" dirty="0" err="1">
+                <a:effectLst/>
+              </a:rPr>
               <a:t>opt</a:t>
             </a:r>
-            <a:r>
-              <a:rPr lang="en-IN" b="1" dirty="0" smtClean="0">
-                <a:effectLst/>
-              </a:rPr>
-              <a:t>,</a:t>
-            </a:r>
-            <a:r>
-              <a:rPr lang="en-IN" dirty="0" smtClean="0">
-                <a:effectLst/>
-              </a:rPr>
-              <a:t> ... </a:t>
-            </a:r>
-            <a:r>
-              <a:rPr lang="en-IN" b="1" dirty="0" smtClean="0">
-                <a:effectLst/>
-              </a:rPr>
-              <a:t>,</a:t>
-            </a:r>
-            <a:r>
-              <a:rPr lang="en-IN" dirty="0" smtClean="0">
-                <a:effectLst/>
-              </a:rPr>
-              <a:t> </a:t>
-            </a:r>
-            <a:r>
-              <a:rPr lang="en-IN" i="1" dirty="0" err="1" smtClean="0">
-                <a:effectLst/>
-              </a:rPr>
-              <a:t>identifier</a:t>
-            </a:r>
-            <a:r>
-              <a:rPr lang="en-IN" baseline="-25000" dirty="0" err="1" smtClean="0">
-                <a:effectLst/>
-              </a:rPr>
-              <a:t>opt</a:t>
-            </a:r>
-            <a:r>
-              <a:rPr lang="en-IN" dirty="0" smtClean="0">
-                <a:effectLst/>
-              </a:rPr>
-              <a:t> </a:t>
-            </a:r>
-            <a:r>
-              <a:rPr lang="en-IN" b="1" dirty="0" smtClean="0">
-                <a:effectLst/>
-              </a:rPr>
-              <a:t>)</a:t>
-            </a:r>
-            <a:r>
-              <a:rPr lang="en-IN" dirty="0" smtClean="0">
-                <a:effectLst/>
-              </a:rPr>
-              <a:t> </a:t>
-            </a:r>
-            <a:r>
-              <a:rPr lang="en-IN" i="1" dirty="0" smtClean="0">
-                <a:effectLst/>
-              </a:rPr>
-              <a:t>token-</a:t>
-            </a:r>
-            <a:r>
-              <a:rPr lang="en-IN" i="1" dirty="0" err="1" smtClean="0">
-                <a:effectLst/>
-              </a:rPr>
-              <a:t>string</a:t>
-            </a:r>
-            <a:r>
-              <a:rPr lang="en-IN" baseline="-25000" dirty="0" err="1" smtClean="0">
-                <a:effectLst/>
-              </a:rPr>
-              <a:t>opt</a:t>
-            </a:r>
-            <a:endParaRPr lang="en-IN" dirty="0" smtClean="0">
+            <a:endParaRPr lang="en-IN" dirty="0">
               <a:effectLst/>
             </a:endParaRPr>
           </a:p>
@@ -9824,10 +9772,9 @@
           <a:lstStyle/>
           <a:p>
             <a:r>
-              <a:rPr lang="en-IN" dirty="0" smtClean="0"/>
+              <a:rPr lang="en-IN" dirty="0"/>
               <a:t>Macro Syntax</a:t>
             </a:r>
-            <a:endParaRPr lang="en-IN" dirty="0"/>
           </a:p>
         </p:txBody>
       </p:sp>
@@ -9914,15 +9861,7 @@
                   <a:srgbClr val="FF0000"/>
                 </a:solidFill>
               </a:rPr>
-              <a:t>Example :</a:t>
-            </a:r>
-            <a:r>
-              <a:rPr lang="en-IN" sz="2800" dirty="0" smtClean="0">
-                <a:solidFill>
-                  <a:srgbClr val="FF0000"/>
-                </a:solidFill>
-              </a:rPr>
-              <a:t>1</a:t>
+              <a:t>Example :1</a:t>
             </a:r>
           </a:p>
           <a:p>
@@ -9950,13 +9889,6 @@
   <p:clrMapOvr>
     <a:masterClrMapping/>
   </p:clrMapOvr>
-  <p:timing>
-    <p:tnLst>
-      <p:par>
-        <p:cTn id="1" dur="indefinite" restart="never" nodeType="tmRoot"/>
-      </p:par>
-    </p:tnLst>
-  </p:timing>
 </p:sld>
 </file>
 
@@ -10000,10 +9932,9 @@
           <a:lstStyle/>
           <a:p>
             <a:r>
-              <a:rPr lang="en-IN" dirty="0" smtClean="0"/>
+              <a:rPr lang="en-IN" dirty="0"/>
               <a:t>Macros _ Example</a:t>
             </a:r>
-            <a:endParaRPr lang="en-IN" dirty="0"/>
           </a:p>
         </p:txBody>
       </p:sp>
@@ -10033,7 +9964,7 @@
               <a:buNone/>
             </a:pPr>
             <a:r>
-              <a:rPr lang="en-IN" dirty="0" smtClean="0">
+              <a:rPr lang="en-IN" dirty="0">
                 <a:solidFill>
                   <a:srgbClr val="FF0000"/>
                 </a:solidFill>
@@ -10046,15 +9977,15 @@
               <a:buNone/>
             </a:pPr>
             <a:r>
-              <a:rPr lang="en-IN" dirty="0" smtClean="0"/>
+              <a:rPr lang="en-IN" dirty="0"/>
               <a:t>#include &lt;</a:t>
             </a:r>
             <a:r>
-              <a:rPr lang="en-IN" dirty="0" err="1" smtClean="0"/>
+              <a:rPr lang="en-IN" dirty="0" err="1"/>
               <a:t>stdio.h</a:t>
             </a:r>
             <a:r>
-              <a:rPr lang="en-IN" dirty="0" smtClean="0"/>
+              <a:rPr lang="en-IN" dirty="0"/>
               <a:t>&gt;</a:t>
             </a:r>
           </a:p>
@@ -10063,7 +9994,7 @@
               <a:buNone/>
             </a:pPr>
             <a:r>
-              <a:rPr lang="en-IN" dirty="0" smtClean="0"/>
+              <a:rPr lang="en-IN" dirty="0"/>
               <a:t>#define PI 3.1415</a:t>
             </a:r>
           </a:p>
@@ -10072,11 +10003,11 @@
               <a:buNone/>
             </a:pPr>
             <a:r>
-              <a:rPr lang="en-IN" dirty="0" err="1" smtClean="0"/>
+              <a:rPr lang="en-IN" dirty="0" err="1"/>
               <a:t>int</a:t>
             </a:r>
             <a:r>
-              <a:rPr lang="en-IN" dirty="0" smtClean="0"/>
+              <a:rPr lang="en-IN" dirty="0"/>
               <a:t> main()</a:t>
             </a:r>
           </a:p>
@@ -10085,7 +10016,7 @@
               <a:buNone/>
             </a:pPr>
             <a:r>
-              <a:rPr lang="en-IN" dirty="0" smtClean="0"/>
+              <a:rPr lang="en-IN" dirty="0"/>
               <a:t>{</a:t>
             </a:r>
           </a:p>
@@ -10094,7 +10025,7 @@
               <a:buNone/>
             </a:pPr>
             <a:r>
-              <a:rPr lang="en-IN" dirty="0" smtClean="0"/>
+              <a:rPr lang="en-IN" dirty="0"/>
               <a:t>    float radius, area;</a:t>
             </a:r>
           </a:p>
@@ -10103,15 +10034,15 @@
               <a:buNone/>
             </a:pPr>
             <a:r>
-              <a:rPr lang="en-IN" dirty="0" smtClean="0"/>
+              <a:rPr lang="en-IN" dirty="0"/>
               <a:t>    </a:t>
             </a:r>
             <a:r>
-              <a:rPr lang="en-IN" dirty="0" err="1" smtClean="0"/>
+              <a:rPr lang="en-IN" dirty="0" err="1"/>
               <a:t>printf</a:t>
             </a:r>
             <a:r>
-              <a:rPr lang="en-IN" dirty="0" smtClean="0"/>
+              <a:rPr lang="en-IN" dirty="0"/>
               <a:t>("Enter the radius: ");</a:t>
             </a:r>
           </a:p>
@@ -10120,23 +10051,23 @@
               <a:buNone/>
             </a:pPr>
             <a:r>
-              <a:rPr lang="en-IN" dirty="0" smtClean="0"/>
+              <a:rPr lang="en-IN" dirty="0"/>
               <a:t>    </a:t>
             </a:r>
             <a:r>
-              <a:rPr lang="en-IN" dirty="0" err="1" smtClean="0"/>
+              <a:rPr lang="en-IN" dirty="0" err="1"/>
               <a:t>scanf</a:t>
             </a:r>
             <a:r>
-              <a:rPr lang="en-IN" dirty="0" smtClean="0"/>
+              <a:rPr lang="en-IN" dirty="0"/>
               <a:t>("%</a:t>
             </a:r>
             <a:r>
-              <a:rPr lang="en-IN" dirty="0" err="1" smtClean="0"/>
+              <a:rPr lang="en-IN" dirty="0" err="1"/>
               <a:t>f",&amp;radius</a:t>
             </a:r>
             <a:r>
-              <a:rPr lang="en-IN" dirty="0" smtClean="0"/>
+              <a:rPr lang="en-IN" dirty="0"/>
               <a:t>);</a:t>
             </a:r>
           </a:p>
@@ -10145,7 +10076,7 @@
               <a:buNone/>
             </a:pPr>
             <a:r>
-              <a:rPr lang="en-IN" dirty="0" smtClean="0"/>
+              <a:rPr lang="en-IN" dirty="0"/>
               <a:t>    area = PI*radius*radius;</a:t>
             </a:r>
           </a:p>
@@ -10154,15 +10085,15 @@
               <a:buNone/>
             </a:pPr>
             <a:r>
-              <a:rPr lang="en-IN" dirty="0" smtClean="0"/>
+              <a:rPr lang="en-IN" dirty="0"/>
               <a:t>    </a:t>
             </a:r>
             <a:r>
-              <a:rPr lang="en-IN" dirty="0" err="1" smtClean="0"/>
+              <a:rPr lang="en-IN" dirty="0" err="1"/>
               <a:t>printf</a:t>
             </a:r>
             <a:r>
-              <a:rPr lang="en-IN" dirty="0" smtClean="0"/>
+              <a:rPr lang="en-IN" dirty="0"/>
               <a:t>("Area=%.2f",area);</a:t>
             </a:r>
           </a:p>
@@ -10171,7 +10102,7 @@
               <a:buNone/>
             </a:pPr>
             <a:r>
-              <a:rPr lang="en-IN" dirty="0" smtClean="0"/>
+              <a:rPr lang="en-IN" dirty="0"/>
               <a:t>    return 0;</a:t>
             </a:r>
           </a:p>
@@ -10180,10 +10111,9 @@
               <a:buNone/>
             </a:pPr>
             <a:r>
-              <a:rPr lang="en-IN" dirty="0" smtClean="0"/>
+              <a:rPr lang="en-IN" dirty="0"/>
               <a:t>}</a:t>
             </a:r>
-            <a:endParaRPr lang="en-IN" dirty="0" smtClean="0"/>
           </a:p>
         </p:txBody>
       </p:sp>
@@ -10197,13 +10127,6 @@
   <p:clrMapOvr>
     <a:masterClrMapping/>
   </p:clrMapOvr>
-  <p:timing>
-    <p:tnLst>
-      <p:par>
-        <p:cTn id="1" dur="indefinite" restart="never" nodeType="tmRoot"/>
-      </p:par>
-    </p:tnLst>
-  </p:timing>
 </p:sld>
 </file>
 
@@ -10243,11 +10166,7 @@
           <a:p>
             <a:r>
               <a:rPr lang="en-IN" b="1" dirty="0"/>
-              <a:t>Object-like </a:t>
-            </a:r>
-            <a:r>
-              <a:rPr lang="en-IN" b="1" dirty="0" smtClean="0"/>
-              <a:t>Macros</a:t>
+              <a:t>Object-like Macros</a:t>
             </a:r>
             <a:endParaRPr lang="en-IN" dirty="0"/>
           </a:p>
@@ -10269,25 +10188,25 @@
           <a:lstStyle/>
           <a:p>
             <a:r>
-              <a:rPr lang="en-IN" dirty="0" smtClean="0"/>
+              <a:rPr lang="en-IN" dirty="0"/>
               <a:t>#define C 1000</a:t>
             </a:r>
           </a:p>
           <a:p>
-            <a:endParaRPr lang="en-IN" dirty="0" smtClean="0"/>
-          </a:p>
-          <a:p>
-            <a:r>
-              <a:rPr lang="en-IN" dirty="0" smtClean="0"/>
+            <a:endParaRPr lang="en-IN" dirty="0"/>
+          </a:p>
+          <a:p>
+            <a:r>
+              <a:rPr lang="en-IN" dirty="0"/>
               <a:t>#define PI 3.14</a:t>
             </a:r>
           </a:p>
           <a:p>
-            <a:endParaRPr lang="en-IN" dirty="0" smtClean="0"/>
-          </a:p>
-          <a:p>
-            <a:r>
-              <a:rPr lang="en-IN" dirty="0" smtClean="0"/>
+            <a:endParaRPr lang="en-IN" dirty="0"/>
+          </a:p>
+          <a:p>
+            <a:r>
+              <a:rPr lang="en-IN" dirty="0"/>
               <a:t>#define BUFSIZE 1020</a:t>
             </a:r>
           </a:p>
@@ -10306,13 +10225,6 @@
   <p:clrMapOvr>
     <a:masterClrMapping/>
   </p:clrMapOvr>
-  <p:timing>
-    <p:tnLst>
-      <p:par>
-        <p:cTn id="1" dur="indefinite" restart="never" nodeType="tmRoot"/>
-      </p:par>
-    </p:tnLst>
-  </p:timing>
 </p:sld>
 </file>
 
@@ -10350,18 +10262,14 @@
           <a:p>
             <a:r>
               <a:rPr lang="en-IN" b="1" dirty="0"/>
-              <a:t>Object-like </a:t>
-            </a:r>
-            <a:r>
-              <a:rPr lang="en-IN" b="1" dirty="0" smtClean="0"/>
-              <a:t>Macros (</a:t>
-            </a:r>
-            <a:r>
-              <a:rPr lang="en-IN" b="1" dirty="0" err="1" smtClean="0"/>
+              <a:t>Object-like Macros (</a:t>
+            </a:r>
+            <a:r>
+              <a:rPr lang="en-IN" b="1" dirty="0" err="1"/>
               <a:t>contd</a:t>
             </a:r>
             <a:r>
-              <a:rPr lang="en-IN" b="1" dirty="0" smtClean="0"/>
+              <a:rPr lang="en-IN" b="1" dirty="0"/>
               <a:t>…,)</a:t>
             </a:r>
             <a:endParaRPr lang="en-IN" dirty="0"/>
@@ -10453,13 +10361,6 @@
   <p:clrMapOvr>
     <a:masterClrMapping/>
   </p:clrMapOvr>
-  <p:timing>
-    <p:tnLst>
-      <p:par>
-        <p:cTn id="1" dur="indefinite" restart="never" nodeType="tmRoot"/>
-      </p:par>
-    </p:tnLst>
-  </p:timing>
 </p:sld>
 </file>
 

--- a/Reference materials/20_Preprocessor Directives.pptx
+++ b/Reference materials/20_Preprocessor Directives.pptx
@@ -329,7 +329,7 @@
           <a:p>
             <a:fld id="{A13CD786-328F-4923-8A53-60706E0D1521}" type="datetimeFigureOut">
               <a:rPr lang="en-IN" smtClean="0"/>
-              <a:t>16-04-2021</a:t>
+              <a:t>31-05-2021</a:t>
             </a:fld>
             <a:endParaRPr lang="en-IN"/>
           </a:p>
@@ -499,7 +499,7 @@
           <a:p>
             <a:fld id="{A13CD786-328F-4923-8A53-60706E0D1521}" type="datetimeFigureOut">
               <a:rPr lang="en-IN" smtClean="0"/>
-              <a:t>16-04-2021</a:t>
+              <a:t>31-05-2021</a:t>
             </a:fld>
             <a:endParaRPr lang="en-IN"/>
           </a:p>
@@ -679,7 +679,7 @@
           <a:p>
             <a:fld id="{A13CD786-328F-4923-8A53-60706E0D1521}" type="datetimeFigureOut">
               <a:rPr lang="en-IN" smtClean="0"/>
-              <a:t>16-04-2021</a:t>
+              <a:t>31-05-2021</a:t>
             </a:fld>
             <a:endParaRPr lang="en-IN"/>
           </a:p>
@@ -849,7 +849,7 @@
           <a:p>
             <a:fld id="{A13CD786-328F-4923-8A53-60706E0D1521}" type="datetimeFigureOut">
               <a:rPr lang="en-IN" smtClean="0"/>
-              <a:t>16-04-2021</a:t>
+              <a:t>31-05-2021</a:t>
             </a:fld>
             <a:endParaRPr lang="en-IN"/>
           </a:p>
@@ -1095,7 +1095,7 @@
           <a:p>
             <a:fld id="{A13CD786-328F-4923-8A53-60706E0D1521}" type="datetimeFigureOut">
               <a:rPr lang="en-IN" smtClean="0"/>
-              <a:t>16-04-2021</a:t>
+              <a:t>31-05-2021</a:t>
             </a:fld>
             <a:endParaRPr lang="en-IN"/>
           </a:p>
@@ -1383,7 +1383,7 @@
           <a:p>
             <a:fld id="{A13CD786-328F-4923-8A53-60706E0D1521}" type="datetimeFigureOut">
               <a:rPr lang="en-IN" smtClean="0"/>
-              <a:t>16-04-2021</a:t>
+              <a:t>31-05-2021</a:t>
             </a:fld>
             <a:endParaRPr lang="en-IN"/>
           </a:p>
@@ -1805,7 +1805,7 @@
           <a:p>
             <a:fld id="{A13CD786-328F-4923-8A53-60706E0D1521}" type="datetimeFigureOut">
               <a:rPr lang="en-IN" smtClean="0"/>
-              <a:t>16-04-2021</a:t>
+              <a:t>31-05-2021</a:t>
             </a:fld>
             <a:endParaRPr lang="en-IN"/>
           </a:p>
@@ -1923,7 +1923,7 @@
           <a:p>
             <a:fld id="{A13CD786-328F-4923-8A53-60706E0D1521}" type="datetimeFigureOut">
               <a:rPr lang="en-IN" smtClean="0"/>
-              <a:t>16-04-2021</a:t>
+              <a:t>31-05-2021</a:t>
             </a:fld>
             <a:endParaRPr lang="en-IN"/>
           </a:p>
@@ -2018,7 +2018,7 @@
           <a:p>
             <a:fld id="{A13CD786-328F-4923-8A53-60706E0D1521}" type="datetimeFigureOut">
               <a:rPr lang="en-IN" smtClean="0"/>
-              <a:t>16-04-2021</a:t>
+              <a:t>31-05-2021</a:t>
             </a:fld>
             <a:endParaRPr lang="en-IN"/>
           </a:p>
@@ -2295,7 +2295,7 @@
           <a:p>
             <a:fld id="{A13CD786-328F-4923-8A53-60706E0D1521}" type="datetimeFigureOut">
               <a:rPr lang="en-IN" smtClean="0"/>
-              <a:t>16-04-2021</a:t>
+              <a:t>31-05-2021</a:t>
             </a:fld>
             <a:endParaRPr lang="en-IN"/>
           </a:p>
@@ -2548,7 +2548,7 @@
           <a:p>
             <a:fld id="{A13CD786-328F-4923-8A53-60706E0D1521}" type="datetimeFigureOut">
               <a:rPr lang="en-IN" smtClean="0"/>
-              <a:t>16-04-2021</a:t>
+              <a:t>31-05-2021</a:t>
             </a:fld>
             <a:endParaRPr lang="en-IN"/>
           </a:p>
@@ -2761,7 +2761,7 @@
           <a:p>
             <a:fld id="{A13CD786-328F-4923-8A53-60706E0D1521}" type="datetimeFigureOut">
               <a:rPr lang="en-IN" smtClean="0"/>
-              <a:t>16-04-2021</a:t>
+              <a:t>31-05-2021</a:t>
             </a:fld>
             <a:endParaRPr lang="en-IN"/>
           </a:p>
@@ -7753,6 +7753,10 @@
           </p:nvPr>
         </p:nvSpPr>
         <p:spPr>
+          <a:xfrm>
+            <a:off x="179512" y="1166019"/>
+            <a:ext cx="4038600" cy="4351214"/>
+          </a:xfrm>
           <a:ln>
             <a:solidFill>
               <a:schemeClr val="accent2"/>
@@ -7904,27 +7908,6 @@
           </a:p>
           <a:p>
             <a:endParaRPr lang="en-IN" dirty="0"/>
-          </a:p>
-        </p:txBody>
-      </p:sp>
-      <p:sp>
-        <p:nvSpPr>
-          <p:cNvPr id="4" name="Content Placeholder 3"/>
-          <p:cNvSpPr>
-            <a:spLocks noGrp="1"/>
-          </p:cNvSpPr>
-          <p:nvPr>
-            <p:ph sz="half" idx="2"/>
-          </p:nvPr>
-        </p:nvSpPr>
-        <p:spPr/>
-        <p:txBody>
-          <a:bodyPr>
-            <a:normAutofit fontScale="92500" lnSpcReduction="10000"/>
-          </a:bodyPr>
-          <a:lstStyle/>
-          <a:p>
-            <a:endParaRPr lang="en-IN"/>
           </a:p>
         </p:txBody>
       </p:sp>
@@ -7968,7 +7951,12 @@
             <p:ph type="title"/>
           </p:nvPr>
         </p:nvSpPr>
-        <p:spPr/>
+        <p:spPr>
+          <a:xfrm>
+            <a:off x="457200" y="274638"/>
+            <a:ext cx="8229600" cy="850106"/>
+          </a:xfrm>
+        </p:spPr>
         <p:txBody>
           <a:bodyPr>
             <a:normAutofit/>
@@ -7999,7 +7987,7 @@
         </p:nvSpPr>
         <p:spPr>
           <a:xfrm>
-            <a:off x="467544" y="1600200"/>
+            <a:off x="395536" y="930424"/>
             <a:ext cx="8219256" cy="4997152"/>
           </a:xfrm>
         </p:spPr>
@@ -8212,7 +8200,12 @@
             <p:ph type="title"/>
           </p:nvPr>
         </p:nvSpPr>
-        <p:spPr/>
+        <p:spPr>
+          <a:xfrm>
+            <a:off x="457200" y="44624"/>
+            <a:ext cx="8229600" cy="1143000"/>
+          </a:xfrm>
+        </p:spPr>
         <p:txBody>
           <a:bodyPr/>
           <a:lstStyle/>
@@ -8237,7 +8230,7 @@
         </p:nvSpPr>
         <p:spPr>
           <a:xfrm>
-            <a:off x="4860032" y="1628800"/>
+            <a:off x="4788024" y="1166018"/>
             <a:ext cx="4038600" cy="4525963"/>
           </a:xfrm>
           <a:ln>
@@ -8404,7 +8397,7 @@
         </p:nvSpPr>
         <p:spPr>
           <a:xfrm>
-            <a:off x="395536" y="1628800"/>
+            <a:off x="317377" y="1187624"/>
             <a:ext cx="4038600" cy="4525963"/>
           </a:xfrm>
           <a:ln>
